--- a/Student Presentations/DecoratorPresentation.pptx
+++ b/Student Presentations/DecoratorPresentation.pptx
@@ -4,9 +4,21 @@
   <p:sldMasterIdLst>
     <p:sldMasterId id="2147483723" r:id="rId1"/>
   </p:sldMasterIdLst>
+  <p:notesMasterIdLst>
+    <p:notesMasterId r:id="rId13"/>
+  </p:notesMasterIdLst>
   <p:sldIdLst>
     <p:sldId id="256" r:id="rId2"/>
-    <p:sldId id="257" r:id="rId3"/>
+    <p:sldId id="259" r:id="rId3"/>
+    <p:sldId id="258" r:id="rId4"/>
+    <p:sldId id="261" r:id="rId5"/>
+    <p:sldId id="262" r:id="rId6"/>
+    <p:sldId id="263" r:id="rId7"/>
+    <p:sldId id="264" r:id="rId8"/>
+    <p:sldId id="265" r:id="rId9"/>
+    <p:sldId id="266" r:id="rId10"/>
+    <p:sldId id="267" r:id="rId11"/>
+    <p:sldId id="268" r:id="rId12"/>
   </p:sldIdLst>
   <p:sldSz cx="12192000" cy="6858000"/>
   <p:notesSz cx="6858000" cy="9144000"/>
@@ -105,11 +117,651 @@
       </a:defRPr>
     </a:lvl9pPr>
   </p:defaultTextStyle>
+  <p:extLst>
+    <p:ext uri="{EFAFB233-063F-42B5-8137-9DF3F51BA10A}">
+      <p15:sldGuideLst xmlns:p15="http://schemas.microsoft.com/office/powerpoint/2012/main"/>
+    </p:ext>
+    <p:ext uri="{2D200454-40CA-4A62-9FC3-DE9A4176ACB9}">
+      <p15:notesGuideLst xmlns:p15="http://schemas.microsoft.com/office/powerpoint/2012/main"/>
+    </p:ext>
+  </p:extLst>
 </p:presentation>
+</file>
+
+<file path=ppt/commentAuthors.xml><?xml version="1.0" encoding="utf-8"?>
+<p:cmAuthorLst xmlns:a="http://schemas.openxmlformats.org/drawingml/2006/main" xmlns:r="http://schemas.openxmlformats.org/officeDocument/2006/relationships" xmlns:p="http://schemas.openxmlformats.org/presentationml/2006/main">
+  <p:cmAuthor id="1" name="John Ambery" initials="JA" lastIdx="1" clrIdx="0">
+    <p:extLst>
+      <p:ext uri="{19B8F6BF-5375-455C-9EA6-DF929625EA0E}">
+        <p15:presenceInfo xmlns:p15="http://schemas.microsoft.com/office/powerpoint/2012/main" userId="John Ambery" providerId="None"/>
+      </p:ext>
+    </p:extLst>
+  </p:cmAuthor>
+</p:cmAuthorLst>
+</file>
+
+<file path=ppt/revisionInfo.xml><?xml version="1.0" encoding="utf-8"?>
+<p1510:revInfo xmlns:a="http://schemas.openxmlformats.org/drawingml/2006/main" xmlns:r="http://schemas.openxmlformats.org/officeDocument/2006/relationships" xmlns:p1510="http://schemas.microsoft.com/office/powerpoint/2015/10/main">
+  <p1510:revLst>
+    <p1510:client id="{10612E98-0A8A-4D49-AF6A-7E280888A473}" v="52" dt="2021-02-17T04:22:48.398"/>
+  </p1510:revLst>
+</p1510:revInfo>
 </file>
 
 <file path=ppt/changesInfos/changesInfo1.xml><?xml version="1.0" encoding="utf-8"?>
 <pc:chgInfo xmlns:a="http://schemas.openxmlformats.org/drawingml/2006/main" xmlns:r="http://schemas.openxmlformats.org/officeDocument/2006/relationships" xmlns:ac="http://schemas.microsoft.com/office/drawing/2013/main/command" xmlns:pc="http://schemas.microsoft.com/office/powerpoint/2013/main/command">
+  <pc:docChgLst>
+    <pc:chgData name="John Ambery" userId="fb00d5ba-693e-43f5-ad02-73db26cd6cd7" providerId="ADAL" clId="{10612E98-0A8A-4D49-AF6A-7E280888A473}"/>
+    <pc:docChg chg="undo custSel mod addSld delSld modSld sldOrd">
+      <pc:chgData name="John Ambery" userId="fb00d5ba-693e-43f5-ad02-73db26cd6cd7" providerId="ADAL" clId="{10612E98-0A8A-4D49-AF6A-7E280888A473}" dt="2021-02-17T04:22:48.398" v="4446" actId="1076"/>
+      <pc:docMkLst>
+        <pc:docMk/>
+      </pc:docMkLst>
+      <pc:sldChg chg="addCm delCm">
+        <pc:chgData name="John Ambery" userId="fb00d5ba-693e-43f5-ad02-73db26cd6cd7" providerId="ADAL" clId="{10612E98-0A8A-4D49-AF6A-7E280888A473}" dt="2021-02-17T03:13:38.096" v="926" actId="1592"/>
+        <pc:sldMkLst>
+          <pc:docMk/>
+          <pc:sldMk cId="3051850084" sldId="256"/>
+        </pc:sldMkLst>
+      </pc:sldChg>
+      <pc:sldChg chg="modSp del mod">
+        <pc:chgData name="John Ambery" userId="fb00d5ba-693e-43f5-ad02-73db26cd6cd7" providerId="ADAL" clId="{10612E98-0A8A-4D49-AF6A-7E280888A473}" dt="2021-02-17T02:28:35.604" v="113" actId="2696"/>
+        <pc:sldMkLst>
+          <pc:docMk/>
+          <pc:sldMk cId="3959614998" sldId="257"/>
+        </pc:sldMkLst>
+        <pc:spChg chg="mod">
+          <ac:chgData name="John Ambery" userId="fb00d5ba-693e-43f5-ad02-73db26cd6cd7" providerId="ADAL" clId="{10612E98-0A8A-4D49-AF6A-7E280888A473}" dt="2021-02-17T02:28:30.622" v="111" actId="21"/>
+          <ac:spMkLst>
+            <pc:docMk/>
+            <pc:sldMk cId="3959614998" sldId="257"/>
+            <ac:spMk id="2" creationId="{5C6EF992-A456-4E12-829C-184FE8F53D65}"/>
+          </ac:spMkLst>
+        </pc:spChg>
+      </pc:sldChg>
+      <pc:sldChg chg="addSp delSp modSp new mod setBg setClrOvrMap">
+        <pc:chgData name="John Ambery" userId="fb00d5ba-693e-43f5-ad02-73db26cd6cd7" providerId="ADAL" clId="{10612E98-0A8A-4D49-AF6A-7E280888A473}" dt="2021-02-17T03:13:06.377" v="924" actId="1076"/>
+        <pc:sldMkLst>
+          <pc:docMk/>
+          <pc:sldMk cId="4102655904" sldId="258"/>
+        </pc:sldMkLst>
+        <pc:spChg chg="mod ord">
+          <ac:chgData name="John Ambery" userId="fb00d5ba-693e-43f5-ad02-73db26cd6cd7" providerId="ADAL" clId="{10612E98-0A8A-4D49-AF6A-7E280888A473}" dt="2021-02-17T03:08:44.178" v="544" actId="1076"/>
+          <ac:spMkLst>
+            <pc:docMk/>
+            <pc:sldMk cId="4102655904" sldId="258"/>
+            <ac:spMk id="2" creationId="{2F16B74C-F326-443B-8AD9-9A8072D1A0E4}"/>
+          </ac:spMkLst>
+        </pc:spChg>
+        <pc:spChg chg="del mod">
+          <ac:chgData name="John Ambery" userId="fb00d5ba-693e-43f5-ad02-73db26cd6cd7" providerId="ADAL" clId="{10612E98-0A8A-4D49-AF6A-7E280888A473}" dt="2021-02-17T03:08:08.682" v="535" actId="478"/>
+          <ac:spMkLst>
+            <pc:docMk/>
+            <pc:sldMk cId="4102655904" sldId="258"/>
+            <ac:spMk id="3" creationId="{52087ED6-AAFF-4907-9ED0-53F3BA55C240}"/>
+          </ac:spMkLst>
+        </pc:spChg>
+        <pc:spChg chg="add del mod">
+          <ac:chgData name="John Ambery" userId="fb00d5ba-693e-43f5-ad02-73db26cd6cd7" providerId="ADAL" clId="{10612E98-0A8A-4D49-AF6A-7E280888A473}" dt="2021-02-17T02:33:25.416" v="434"/>
+          <ac:spMkLst>
+            <pc:docMk/>
+            <pc:sldMk cId="4102655904" sldId="258"/>
+            <ac:spMk id="4" creationId="{9D9D95B4-4873-407C-A046-52B4EEE00240}"/>
+          </ac:spMkLst>
+        </pc:spChg>
+        <pc:spChg chg="del mod">
+          <ac:chgData name="John Ambery" userId="fb00d5ba-693e-43f5-ad02-73db26cd6cd7" providerId="ADAL" clId="{10612E98-0A8A-4D49-AF6A-7E280888A473}" dt="2021-02-17T03:07:54.877" v="530" actId="478"/>
+          <ac:spMkLst>
+            <pc:docMk/>
+            <pc:sldMk cId="4102655904" sldId="258"/>
+            <ac:spMk id="5" creationId="{B7B60486-29EB-4298-957B-23C12AA70AF4}"/>
+          </ac:spMkLst>
+        </pc:spChg>
+        <pc:spChg chg="del mod">
+          <ac:chgData name="John Ambery" userId="fb00d5ba-693e-43f5-ad02-73db26cd6cd7" providerId="ADAL" clId="{10612E98-0A8A-4D49-AF6A-7E280888A473}" dt="2021-02-17T03:08:01.406" v="532" actId="478"/>
+          <ac:spMkLst>
+            <pc:docMk/>
+            <pc:sldMk cId="4102655904" sldId="258"/>
+            <ac:spMk id="6" creationId="{0FD8A0E9-F166-45D0-8195-0D2CE2CB9258}"/>
+          </ac:spMkLst>
+        </pc:spChg>
+        <pc:spChg chg="add del mod">
+          <ac:chgData name="John Ambery" userId="fb00d5ba-693e-43f5-ad02-73db26cd6cd7" providerId="ADAL" clId="{10612E98-0A8A-4D49-AF6A-7E280888A473}" dt="2021-02-17T02:58:22.599" v="493" actId="478"/>
+          <ac:spMkLst>
+            <pc:docMk/>
+            <pc:sldMk cId="4102655904" sldId="258"/>
+            <ac:spMk id="8" creationId="{4858F4C3-CEED-4C3E-AEE2-B2939A6FA836}"/>
+          </ac:spMkLst>
+        </pc:spChg>
+        <pc:spChg chg="add del mod">
+          <ac:chgData name="John Ambery" userId="fb00d5ba-693e-43f5-ad02-73db26cd6cd7" providerId="ADAL" clId="{10612E98-0A8A-4D49-AF6A-7E280888A473}" dt="2021-02-17T03:07:59.390" v="531" actId="478"/>
+          <ac:spMkLst>
+            <pc:docMk/>
+            <pc:sldMk cId="4102655904" sldId="258"/>
+            <ac:spMk id="11" creationId="{118BDDEB-278A-4265-9A58-E6B917151499}"/>
+          </ac:spMkLst>
+        </pc:spChg>
+        <pc:spChg chg="add del">
+          <ac:chgData name="John Ambery" userId="fb00d5ba-693e-43f5-ad02-73db26cd6cd7" providerId="ADAL" clId="{10612E98-0A8A-4D49-AF6A-7E280888A473}" dt="2021-02-17T03:08:27.976" v="539" actId="26606"/>
+          <ac:spMkLst>
+            <pc:docMk/>
+            <pc:sldMk cId="4102655904" sldId="258"/>
+            <ac:spMk id="12" creationId="{F723E1E9-999C-4C4F-B178-B1CC980D5587}"/>
+          </ac:spMkLst>
+        </pc:spChg>
+        <pc:spChg chg="add del mod">
+          <ac:chgData name="John Ambery" userId="fb00d5ba-693e-43f5-ad02-73db26cd6cd7" providerId="ADAL" clId="{10612E98-0A8A-4D49-AF6A-7E280888A473}" dt="2021-02-17T03:08:11.375" v="536" actId="478"/>
+          <ac:spMkLst>
+            <pc:docMk/>
+            <pc:sldMk cId="4102655904" sldId="258"/>
+            <ac:spMk id="13" creationId="{33A25A89-08BC-43C6-8DF8-61E174CE3B4B}"/>
+          </ac:spMkLst>
+        </pc:spChg>
+        <pc:spChg chg="add del">
+          <ac:chgData name="John Ambery" userId="fb00d5ba-693e-43f5-ad02-73db26cd6cd7" providerId="ADAL" clId="{10612E98-0A8A-4D49-AF6A-7E280888A473}" dt="2021-02-17T03:08:27.976" v="539" actId="26606"/>
+          <ac:spMkLst>
+            <pc:docMk/>
+            <pc:sldMk cId="4102655904" sldId="258"/>
+            <ac:spMk id="16" creationId="{4E9EDDFA-8F05-462B-8D3E-5B9C4FBC735B}"/>
+          </ac:spMkLst>
+        </pc:spChg>
+        <pc:spChg chg="add del">
+          <ac:chgData name="John Ambery" userId="fb00d5ba-693e-43f5-ad02-73db26cd6cd7" providerId="ADAL" clId="{10612E98-0A8A-4D49-AF6A-7E280888A473}" dt="2021-02-17T03:08:27.976" v="539" actId="26606"/>
+          <ac:spMkLst>
+            <pc:docMk/>
+            <pc:sldMk cId="4102655904" sldId="258"/>
+            <ac:spMk id="18" creationId="{143F9A23-3237-4ED6-A1E9-C0E6530E053B}"/>
+          </ac:spMkLst>
+        </pc:spChg>
+        <pc:spChg chg="add del">
+          <ac:chgData name="John Ambery" userId="fb00d5ba-693e-43f5-ad02-73db26cd6cd7" providerId="ADAL" clId="{10612E98-0A8A-4D49-AF6A-7E280888A473}" dt="2021-02-17T03:08:27.976" v="539" actId="26606"/>
+          <ac:spMkLst>
+            <pc:docMk/>
+            <pc:sldMk cId="4102655904" sldId="258"/>
+            <ac:spMk id="20" creationId="{C63CD46D-4335-4BA4-842A-BF835A99CB2C}"/>
+          </ac:spMkLst>
+        </pc:spChg>
+        <pc:spChg chg="add">
+          <ac:chgData name="John Ambery" userId="fb00d5ba-693e-43f5-ad02-73db26cd6cd7" providerId="ADAL" clId="{10612E98-0A8A-4D49-AF6A-7E280888A473}" dt="2021-02-17T03:08:27.987" v="540" actId="26606"/>
+          <ac:spMkLst>
+            <pc:docMk/>
+            <pc:sldMk cId="4102655904" sldId="258"/>
+            <ac:spMk id="22" creationId="{68DC0EC7-60EA-4BD3-BC04-D547DE1B2891}"/>
+          </ac:spMkLst>
+        </pc:spChg>
+        <pc:spChg chg="add">
+          <ac:chgData name="John Ambery" userId="fb00d5ba-693e-43f5-ad02-73db26cd6cd7" providerId="ADAL" clId="{10612E98-0A8A-4D49-AF6A-7E280888A473}" dt="2021-02-17T03:08:27.987" v="540" actId="26606"/>
+          <ac:spMkLst>
+            <pc:docMk/>
+            <pc:sldMk cId="4102655904" sldId="258"/>
+            <ac:spMk id="23" creationId="{282E2A95-1A08-4118-83C6-B1CA5648E075}"/>
+          </ac:spMkLst>
+        </pc:spChg>
+        <pc:spChg chg="add">
+          <ac:chgData name="John Ambery" userId="fb00d5ba-693e-43f5-ad02-73db26cd6cd7" providerId="ADAL" clId="{10612E98-0A8A-4D49-AF6A-7E280888A473}" dt="2021-02-17T03:08:27.987" v="540" actId="26606"/>
+          <ac:spMkLst>
+            <pc:docMk/>
+            <pc:sldMk cId="4102655904" sldId="258"/>
+            <ac:spMk id="24" creationId="{2FFEFC7E-85EE-4AC9-A351-FBEB13A1D622}"/>
+          </ac:spMkLst>
+        </pc:spChg>
+        <pc:spChg chg="add">
+          <ac:chgData name="John Ambery" userId="fb00d5ba-693e-43f5-ad02-73db26cd6cd7" providerId="ADAL" clId="{10612E98-0A8A-4D49-AF6A-7E280888A473}" dt="2021-02-17T03:08:27.987" v="540" actId="26606"/>
+          <ac:spMkLst>
+            <pc:docMk/>
+            <pc:sldMk cId="4102655904" sldId="258"/>
+            <ac:spMk id="25" creationId="{CB2511BB-FC4C-45F3-94EB-661D6806C942}"/>
+          </ac:spMkLst>
+        </pc:spChg>
+        <pc:spChg chg="add mod">
+          <ac:chgData name="John Ambery" userId="fb00d5ba-693e-43f5-ad02-73db26cd6cd7" providerId="ADAL" clId="{10612E98-0A8A-4D49-AF6A-7E280888A473}" dt="2021-02-17T03:12:58.231" v="922" actId="403"/>
+          <ac:spMkLst>
+            <pc:docMk/>
+            <pc:sldMk cId="4102655904" sldId="258"/>
+            <ac:spMk id="26" creationId="{023F94BC-AA1E-429D-8FA2-324A50A8B160}"/>
+          </ac:spMkLst>
+        </pc:spChg>
+        <pc:graphicFrameChg chg="add del mod ord modGraphic">
+          <ac:chgData name="John Ambery" userId="fb00d5ba-693e-43f5-ad02-73db26cd6cd7" providerId="ADAL" clId="{10612E98-0A8A-4D49-AF6A-7E280888A473}" dt="2021-02-17T02:30:39.113" v="125" actId="3680"/>
+          <ac:graphicFrameMkLst>
+            <pc:docMk/>
+            <pc:sldMk cId="4102655904" sldId="258"/>
+            <ac:graphicFrameMk id="7" creationId="{4FC2C439-CCD4-4CD8-B2EB-FC31BEDCDD80}"/>
+          </ac:graphicFrameMkLst>
+        </pc:graphicFrameChg>
+        <pc:picChg chg="add mod">
+          <ac:chgData name="John Ambery" userId="fb00d5ba-693e-43f5-ad02-73db26cd6cd7" providerId="ADAL" clId="{10612E98-0A8A-4D49-AF6A-7E280888A473}" dt="2021-02-17T03:13:06.377" v="924" actId="1076"/>
+          <ac:picMkLst>
+            <pc:docMk/>
+            <pc:sldMk cId="4102655904" sldId="258"/>
+            <ac:picMk id="9" creationId="{63BD98C8-9201-44F6-86BD-C4691A9051F0}"/>
+          </ac:picMkLst>
+        </pc:picChg>
+      </pc:sldChg>
+      <pc:sldChg chg="addSp delSp modSp new mod ord setBg setClrOvrMap modNotesTx">
+        <pc:chgData name="John Ambery" userId="fb00d5ba-693e-43f5-ad02-73db26cd6cd7" providerId="ADAL" clId="{10612E98-0A8A-4D49-AF6A-7E280888A473}" dt="2021-02-17T03:14:44.649" v="1035" actId="20577"/>
+        <pc:sldMkLst>
+          <pc:docMk/>
+          <pc:sldMk cId="3444785612" sldId="259"/>
+        </pc:sldMkLst>
+        <pc:spChg chg="del">
+          <ac:chgData name="John Ambery" userId="fb00d5ba-693e-43f5-ad02-73db26cd6cd7" providerId="ADAL" clId="{10612E98-0A8A-4D49-AF6A-7E280888A473}" dt="2021-02-17T02:50:47.194" v="489"/>
+          <ac:spMkLst>
+            <pc:docMk/>
+            <pc:sldMk cId="3444785612" sldId="259"/>
+            <ac:spMk id="2" creationId="{ED833A24-F729-41AB-AFBC-53B184975A19}"/>
+          </ac:spMkLst>
+        </pc:spChg>
+        <pc:spChg chg="del">
+          <ac:chgData name="John Ambery" userId="fb00d5ba-693e-43f5-ad02-73db26cd6cd7" providerId="ADAL" clId="{10612E98-0A8A-4D49-AF6A-7E280888A473}" dt="2021-02-17T02:50:47.194" v="489"/>
+          <ac:spMkLst>
+            <pc:docMk/>
+            <pc:sldMk cId="3444785612" sldId="259"/>
+            <ac:spMk id="3" creationId="{3587A307-3045-4303-A1C8-7B5A7D0AF8CB}"/>
+          </ac:spMkLst>
+        </pc:spChg>
+        <pc:spChg chg="del">
+          <ac:chgData name="John Ambery" userId="fb00d5ba-693e-43f5-ad02-73db26cd6cd7" providerId="ADAL" clId="{10612E98-0A8A-4D49-AF6A-7E280888A473}" dt="2021-02-17T02:50:47.194" v="489"/>
+          <ac:spMkLst>
+            <pc:docMk/>
+            <pc:sldMk cId="3444785612" sldId="259"/>
+            <ac:spMk id="4" creationId="{82189441-4EB3-45BC-9B94-C50BE419F427}"/>
+          </ac:spMkLst>
+        </pc:spChg>
+        <pc:spChg chg="del">
+          <ac:chgData name="John Ambery" userId="fb00d5ba-693e-43f5-ad02-73db26cd6cd7" providerId="ADAL" clId="{10612E98-0A8A-4D49-AF6A-7E280888A473}" dt="2021-02-17T02:50:47.194" v="489"/>
+          <ac:spMkLst>
+            <pc:docMk/>
+            <pc:sldMk cId="3444785612" sldId="259"/>
+            <ac:spMk id="5" creationId="{5F4033A5-53D1-41A3-AC0D-81298832E46D}"/>
+          </ac:spMkLst>
+        </pc:spChg>
+        <pc:spChg chg="del">
+          <ac:chgData name="John Ambery" userId="fb00d5ba-693e-43f5-ad02-73db26cd6cd7" providerId="ADAL" clId="{10612E98-0A8A-4D49-AF6A-7E280888A473}" dt="2021-02-17T02:50:47.194" v="489"/>
+          <ac:spMkLst>
+            <pc:docMk/>
+            <pc:sldMk cId="3444785612" sldId="259"/>
+            <ac:spMk id="6" creationId="{A8B41FF9-98AE-4DFD-AD3A-E0DC2C58EF7E}"/>
+          </ac:spMkLst>
+        </pc:spChg>
+        <pc:spChg chg="add mod">
+          <ac:chgData name="John Ambery" userId="fb00d5ba-693e-43f5-ad02-73db26cd6cd7" providerId="ADAL" clId="{10612E98-0A8A-4D49-AF6A-7E280888A473}" dt="2021-02-17T03:12:43.689" v="919" actId="1076"/>
+          <ac:spMkLst>
+            <pc:docMk/>
+            <pc:sldMk cId="3444785612" sldId="259"/>
+            <ac:spMk id="7" creationId="{3635DB00-1553-4195-80ED-95E096EBE05E}"/>
+          </ac:spMkLst>
+        </pc:spChg>
+        <pc:spChg chg="add mod">
+          <ac:chgData name="John Ambery" userId="fb00d5ba-693e-43f5-ad02-73db26cd6cd7" providerId="ADAL" clId="{10612E98-0A8A-4D49-AF6A-7E280888A473}" dt="2021-02-17T03:12:46.922" v="920" actId="1076"/>
+          <ac:spMkLst>
+            <pc:docMk/>
+            <pc:sldMk cId="3444785612" sldId="259"/>
+            <ac:spMk id="8" creationId="{F58BE9B1-CED3-4F79-9AA3-5A1A8503E33F}"/>
+          </ac:spMkLst>
+        </pc:spChg>
+        <pc:spChg chg="add">
+          <ac:chgData name="John Ambery" userId="fb00d5ba-693e-43f5-ad02-73db26cd6cd7" providerId="ADAL" clId="{10612E98-0A8A-4D49-AF6A-7E280888A473}" dt="2021-02-17T02:59:23.680" v="503" actId="26606"/>
+          <ac:spMkLst>
+            <pc:docMk/>
+            <pc:sldMk cId="3444785612" sldId="259"/>
+            <ac:spMk id="14" creationId="{282E2A95-1A08-4118-83C6-B1CA5648E075}"/>
+          </ac:spMkLst>
+        </pc:spChg>
+        <pc:spChg chg="add">
+          <ac:chgData name="John Ambery" userId="fb00d5ba-693e-43f5-ad02-73db26cd6cd7" providerId="ADAL" clId="{10612E98-0A8A-4D49-AF6A-7E280888A473}" dt="2021-02-17T02:59:23.680" v="503" actId="26606"/>
+          <ac:spMkLst>
+            <pc:docMk/>
+            <pc:sldMk cId="3444785612" sldId="259"/>
+            <ac:spMk id="16" creationId="{2FFEFC7E-85EE-4AC9-A351-FBEB13A1D622}"/>
+          </ac:spMkLst>
+        </pc:spChg>
+        <pc:spChg chg="add">
+          <ac:chgData name="John Ambery" userId="fb00d5ba-693e-43f5-ad02-73db26cd6cd7" providerId="ADAL" clId="{10612E98-0A8A-4D49-AF6A-7E280888A473}" dt="2021-02-17T02:59:23.680" v="503" actId="26606"/>
+          <ac:spMkLst>
+            <pc:docMk/>
+            <pc:sldMk cId="3444785612" sldId="259"/>
+            <ac:spMk id="18" creationId="{CB2511BB-FC4C-45F3-94EB-661D6806C942}"/>
+          </ac:spMkLst>
+        </pc:spChg>
+        <pc:spChg chg="add">
+          <ac:chgData name="John Ambery" userId="fb00d5ba-693e-43f5-ad02-73db26cd6cd7" providerId="ADAL" clId="{10612E98-0A8A-4D49-AF6A-7E280888A473}" dt="2021-02-17T02:59:23.680" v="503" actId="26606"/>
+          <ac:spMkLst>
+            <pc:docMk/>
+            <pc:sldMk cId="3444785612" sldId="259"/>
+            <ac:spMk id="20" creationId="{68DC0EC7-60EA-4BD3-BC04-D547DE1B2891}"/>
+          </ac:spMkLst>
+        </pc:spChg>
+        <pc:picChg chg="add mod">
+          <ac:chgData name="John Ambery" userId="fb00d5ba-693e-43f5-ad02-73db26cd6cd7" providerId="ADAL" clId="{10612E98-0A8A-4D49-AF6A-7E280888A473}" dt="2021-02-17T02:59:30.136" v="504" actId="27614"/>
+          <ac:picMkLst>
+            <pc:docMk/>
+            <pc:sldMk cId="3444785612" sldId="259"/>
+            <ac:picMk id="9" creationId="{F717C269-A3B9-40DC-969F-993B21491E7F}"/>
+          </ac:picMkLst>
+        </pc:picChg>
+      </pc:sldChg>
+      <pc:sldChg chg="new del">
+        <pc:chgData name="John Ambery" userId="fb00d5ba-693e-43f5-ad02-73db26cd6cd7" providerId="ADAL" clId="{10612E98-0A8A-4D49-AF6A-7E280888A473}" dt="2021-02-17T03:15:18.482" v="1038" actId="47"/>
+        <pc:sldMkLst>
+          <pc:docMk/>
+          <pc:sldMk cId="2713967790" sldId="260"/>
+        </pc:sldMkLst>
+      </pc:sldChg>
+      <pc:sldChg chg="addSp delSp modSp add mod">
+        <pc:chgData name="John Ambery" userId="fb00d5ba-693e-43f5-ad02-73db26cd6cd7" providerId="ADAL" clId="{10612E98-0A8A-4D49-AF6A-7E280888A473}" dt="2021-02-17T03:25:41.386" v="1656" actId="1076"/>
+        <pc:sldMkLst>
+          <pc:docMk/>
+          <pc:sldMk cId="2127302114" sldId="261"/>
+        </pc:sldMkLst>
+        <pc:spChg chg="mod">
+          <ac:chgData name="John Ambery" userId="fb00d5ba-693e-43f5-ad02-73db26cd6cd7" providerId="ADAL" clId="{10612E98-0A8A-4D49-AF6A-7E280888A473}" dt="2021-02-17T03:15:34.674" v="1082" actId="14100"/>
+          <ac:spMkLst>
+            <pc:docMk/>
+            <pc:sldMk cId="2127302114" sldId="261"/>
+            <ac:spMk id="2" creationId="{2F16B74C-F326-443B-8AD9-9A8072D1A0E4}"/>
+          </ac:spMkLst>
+        </pc:spChg>
+        <pc:spChg chg="add mod">
+          <ac:chgData name="John Ambery" userId="fb00d5ba-693e-43f5-ad02-73db26cd6cd7" providerId="ADAL" clId="{10612E98-0A8A-4D49-AF6A-7E280888A473}" dt="2021-02-17T03:25:41.386" v="1656" actId="1076"/>
+          <ac:spMkLst>
+            <pc:docMk/>
+            <pc:sldMk cId="2127302114" sldId="261"/>
+            <ac:spMk id="4" creationId="{E2B3CF92-8684-4FC1-85A0-A065C5CD0CE2}"/>
+          </ac:spMkLst>
+        </pc:spChg>
+        <pc:spChg chg="mod">
+          <ac:chgData name="John Ambery" userId="fb00d5ba-693e-43f5-ad02-73db26cd6cd7" providerId="ADAL" clId="{10612E98-0A8A-4D49-AF6A-7E280888A473}" dt="2021-02-17T03:22:51.050" v="1494" actId="20577"/>
+          <ac:spMkLst>
+            <pc:docMk/>
+            <pc:sldMk cId="2127302114" sldId="261"/>
+            <ac:spMk id="26" creationId="{023F94BC-AA1E-429D-8FA2-324A50A8B160}"/>
+          </ac:spMkLst>
+        </pc:spChg>
+        <pc:picChg chg="add mod">
+          <ac:chgData name="John Ambery" userId="fb00d5ba-693e-43f5-ad02-73db26cd6cd7" providerId="ADAL" clId="{10612E98-0A8A-4D49-AF6A-7E280888A473}" dt="2021-02-17T03:23:16.297" v="1497" actId="14100"/>
+          <ac:picMkLst>
+            <pc:docMk/>
+            <pc:sldMk cId="2127302114" sldId="261"/>
+            <ac:picMk id="3" creationId="{7BC442AD-721E-43A9-B465-66B4F2E2C491}"/>
+          </ac:picMkLst>
+        </pc:picChg>
+        <pc:picChg chg="del">
+          <ac:chgData name="John Ambery" userId="fb00d5ba-693e-43f5-ad02-73db26cd6cd7" providerId="ADAL" clId="{10612E98-0A8A-4D49-AF6A-7E280888A473}" dt="2021-02-17T03:15:38.968" v="1083" actId="478"/>
+          <ac:picMkLst>
+            <pc:docMk/>
+            <pc:sldMk cId="2127302114" sldId="261"/>
+            <ac:picMk id="9" creationId="{63BD98C8-9201-44F6-86BD-C4691A9051F0}"/>
+          </ac:picMkLst>
+        </pc:picChg>
+      </pc:sldChg>
+      <pc:sldChg chg="modSp new mod">
+        <pc:chgData name="John Ambery" userId="fb00d5ba-693e-43f5-ad02-73db26cd6cd7" providerId="ADAL" clId="{10612E98-0A8A-4D49-AF6A-7E280888A473}" dt="2021-02-17T03:42:38.328" v="2263" actId="1076"/>
+        <pc:sldMkLst>
+          <pc:docMk/>
+          <pc:sldMk cId="2513457109" sldId="262"/>
+        </pc:sldMkLst>
+        <pc:spChg chg="mod">
+          <ac:chgData name="John Ambery" userId="fb00d5ba-693e-43f5-ad02-73db26cd6cd7" providerId="ADAL" clId="{10612E98-0A8A-4D49-AF6A-7E280888A473}" dt="2021-02-17T03:26:27.995" v="1691" actId="20577"/>
+          <ac:spMkLst>
+            <pc:docMk/>
+            <pc:sldMk cId="2513457109" sldId="262"/>
+            <ac:spMk id="2" creationId="{E896D4EA-FA1F-4879-BC03-42152442FD03}"/>
+          </ac:spMkLst>
+        </pc:spChg>
+        <pc:spChg chg="mod">
+          <ac:chgData name="John Ambery" userId="fb00d5ba-693e-43f5-ad02-73db26cd6cd7" providerId="ADAL" clId="{10612E98-0A8A-4D49-AF6A-7E280888A473}" dt="2021-02-17T03:42:38.328" v="2263" actId="1076"/>
+          <ac:spMkLst>
+            <pc:docMk/>
+            <pc:sldMk cId="2513457109" sldId="262"/>
+            <ac:spMk id="3" creationId="{5CDA6B7E-4EEC-4BD4-8FA8-2B664A6D166C}"/>
+          </ac:spMkLst>
+        </pc:spChg>
+      </pc:sldChg>
+      <pc:sldChg chg="addSp delSp modSp new mod">
+        <pc:chgData name="John Ambery" userId="fb00d5ba-693e-43f5-ad02-73db26cd6cd7" providerId="ADAL" clId="{10612E98-0A8A-4D49-AF6A-7E280888A473}" dt="2021-02-17T03:44:11.265" v="2292" actId="1076"/>
+        <pc:sldMkLst>
+          <pc:docMk/>
+          <pc:sldMk cId="2675571107" sldId="263"/>
+        </pc:sldMkLst>
+        <pc:spChg chg="add mod">
+          <ac:chgData name="John Ambery" userId="fb00d5ba-693e-43f5-ad02-73db26cd6cd7" providerId="ADAL" clId="{10612E98-0A8A-4D49-AF6A-7E280888A473}" dt="2021-02-17T03:43:49.054" v="2285" actId="20577"/>
+          <ac:spMkLst>
+            <pc:docMk/>
+            <pc:sldMk cId="2675571107" sldId="263"/>
+            <ac:spMk id="4" creationId="{DAB0CDD8-8F6E-4571-9A2C-C40BF2F594E1}"/>
+          </ac:spMkLst>
+        </pc:spChg>
+        <pc:spChg chg="add del mod">
+          <ac:chgData name="John Ambery" userId="fb00d5ba-693e-43f5-ad02-73db26cd6cd7" providerId="ADAL" clId="{10612E98-0A8A-4D49-AF6A-7E280888A473}" dt="2021-02-17T03:43:54.898" v="2286" actId="478"/>
+          <ac:spMkLst>
+            <pc:docMk/>
+            <pc:sldMk cId="2675571107" sldId="263"/>
+            <ac:spMk id="5" creationId="{8191CC6D-3EA1-4B63-AB44-725D6C165930}"/>
+          </ac:spMkLst>
+        </pc:spChg>
+        <pc:picChg chg="add mod">
+          <ac:chgData name="John Ambery" userId="fb00d5ba-693e-43f5-ad02-73db26cd6cd7" providerId="ADAL" clId="{10612E98-0A8A-4D49-AF6A-7E280888A473}" dt="2021-02-17T03:44:05.609" v="2289" actId="1076"/>
+          <ac:picMkLst>
+            <pc:docMk/>
+            <pc:sldMk cId="2675571107" sldId="263"/>
+            <ac:picMk id="2" creationId="{D081E658-6214-4AFD-9C53-9F76010C4418}"/>
+          </ac:picMkLst>
+        </pc:picChg>
+        <pc:picChg chg="add mod">
+          <ac:chgData name="John Ambery" userId="fb00d5ba-693e-43f5-ad02-73db26cd6cd7" providerId="ADAL" clId="{10612E98-0A8A-4D49-AF6A-7E280888A473}" dt="2021-02-17T03:44:11.265" v="2292" actId="1076"/>
+          <ac:picMkLst>
+            <pc:docMk/>
+            <pc:sldMk cId="2675571107" sldId="263"/>
+            <ac:picMk id="3" creationId="{B764772D-947C-49CD-9D7E-2F911CFE3E3F}"/>
+          </ac:picMkLst>
+        </pc:picChg>
+      </pc:sldChg>
+      <pc:sldChg chg="addSp delSp modSp new mod">
+        <pc:chgData name="John Ambery" userId="fb00d5ba-693e-43f5-ad02-73db26cd6cd7" providerId="ADAL" clId="{10612E98-0A8A-4D49-AF6A-7E280888A473}" dt="2021-02-17T03:52:28.241" v="2816" actId="14100"/>
+        <pc:sldMkLst>
+          <pc:docMk/>
+          <pc:sldMk cId="2438430395" sldId="264"/>
+        </pc:sldMkLst>
+        <pc:spChg chg="mod">
+          <ac:chgData name="John Ambery" userId="fb00d5ba-693e-43f5-ad02-73db26cd6cd7" providerId="ADAL" clId="{10612E98-0A8A-4D49-AF6A-7E280888A473}" dt="2021-02-17T03:45:27.991" v="2335" actId="20577"/>
+          <ac:spMkLst>
+            <pc:docMk/>
+            <pc:sldMk cId="2438430395" sldId="264"/>
+            <ac:spMk id="2" creationId="{3A4E1657-208D-4447-AF2E-55888C163ABA}"/>
+          </ac:spMkLst>
+        </pc:spChg>
+        <pc:spChg chg="del mod">
+          <ac:chgData name="John Ambery" userId="fb00d5ba-693e-43f5-ad02-73db26cd6cd7" providerId="ADAL" clId="{10612E98-0A8A-4D49-AF6A-7E280888A473}" dt="2021-02-17T03:45:42.639" v="2337" actId="21"/>
+          <ac:spMkLst>
+            <pc:docMk/>
+            <pc:sldMk cId="2438430395" sldId="264"/>
+            <ac:spMk id="3" creationId="{DB5397C8-240B-44D5-80FD-2AFB4F8D0CD1}"/>
+          </ac:spMkLst>
+        </pc:spChg>
+        <pc:spChg chg="add del mod">
+          <ac:chgData name="John Ambery" userId="fb00d5ba-693e-43f5-ad02-73db26cd6cd7" providerId="ADAL" clId="{10612E98-0A8A-4D49-AF6A-7E280888A473}" dt="2021-02-17T03:45:51.735" v="2340" actId="478"/>
+          <ac:spMkLst>
+            <pc:docMk/>
+            <pc:sldMk cId="2438430395" sldId="264"/>
+            <ac:spMk id="4" creationId="{2C53A73F-1692-45F7-866A-46BB520A5C6C}"/>
+          </ac:spMkLst>
+        </pc:spChg>
+        <pc:spChg chg="add mod">
+          <ac:chgData name="John Ambery" userId="fb00d5ba-693e-43f5-ad02-73db26cd6cd7" providerId="ADAL" clId="{10612E98-0A8A-4D49-AF6A-7E280888A473}" dt="2021-02-17T03:47:46.855" v="2512" actId="1076"/>
+          <ac:spMkLst>
+            <pc:docMk/>
+            <pc:sldMk cId="2438430395" sldId="264"/>
+            <ac:spMk id="6" creationId="{EF4436FD-0184-4778-B0E1-1F196953C286}"/>
+          </ac:spMkLst>
+        </pc:spChg>
+        <pc:spChg chg="add mod">
+          <ac:chgData name="John Ambery" userId="fb00d5ba-693e-43f5-ad02-73db26cd6cd7" providerId="ADAL" clId="{10612E98-0A8A-4D49-AF6A-7E280888A473}" dt="2021-02-17T03:49:40.842" v="2676" actId="6549"/>
+          <ac:spMkLst>
+            <pc:docMk/>
+            <pc:sldMk cId="2438430395" sldId="264"/>
+            <ac:spMk id="7" creationId="{B1ECDCC2-FE31-4620-916C-7CBC0EC0E458}"/>
+          </ac:spMkLst>
+        </pc:spChg>
+        <pc:spChg chg="add mod">
+          <ac:chgData name="John Ambery" userId="fb00d5ba-693e-43f5-ad02-73db26cd6cd7" providerId="ADAL" clId="{10612E98-0A8A-4D49-AF6A-7E280888A473}" dt="2021-02-17T03:52:28.241" v="2816" actId="14100"/>
+          <ac:spMkLst>
+            <pc:docMk/>
+            <pc:sldMk cId="2438430395" sldId="264"/>
+            <ac:spMk id="9" creationId="{54C5857D-7F30-4B52-B37B-8B80C7349BAE}"/>
+          </ac:spMkLst>
+        </pc:spChg>
+        <pc:picChg chg="add mod">
+          <ac:chgData name="John Ambery" userId="fb00d5ba-693e-43f5-ad02-73db26cd6cd7" providerId="ADAL" clId="{10612E98-0A8A-4D49-AF6A-7E280888A473}" dt="2021-02-17T03:50:25.568" v="2681" actId="14100"/>
+          <ac:picMkLst>
+            <pc:docMk/>
+            <pc:sldMk cId="2438430395" sldId="264"/>
+            <ac:picMk id="5" creationId="{7A4A668B-7827-4E6A-9FB8-01E8DB3ACD34}"/>
+          </ac:picMkLst>
+        </pc:picChg>
+        <pc:picChg chg="add mod">
+          <ac:chgData name="John Ambery" userId="fb00d5ba-693e-43f5-ad02-73db26cd6cd7" providerId="ADAL" clId="{10612E98-0A8A-4D49-AF6A-7E280888A473}" dt="2021-02-17T03:50:21.816" v="2680" actId="14100"/>
+          <ac:picMkLst>
+            <pc:docMk/>
+            <pc:sldMk cId="2438430395" sldId="264"/>
+            <ac:picMk id="8" creationId="{13C9DA66-83DC-468D-BCE7-B46615D112E7}"/>
+          </ac:picMkLst>
+        </pc:picChg>
+      </pc:sldChg>
+      <pc:sldChg chg="addSp modSp new mod">
+        <pc:chgData name="John Ambery" userId="fb00d5ba-693e-43f5-ad02-73db26cd6cd7" providerId="ADAL" clId="{10612E98-0A8A-4D49-AF6A-7E280888A473}" dt="2021-02-17T03:57:33.076" v="3148" actId="20577"/>
+        <pc:sldMkLst>
+          <pc:docMk/>
+          <pc:sldMk cId="2533953125" sldId="265"/>
+        </pc:sldMkLst>
+        <pc:spChg chg="mod">
+          <ac:chgData name="John Ambery" userId="fb00d5ba-693e-43f5-ad02-73db26cd6cd7" providerId="ADAL" clId="{10612E98-0A8A-4D49-AF6A-7E280888A473}" dt="2021-02-17T03:57:33.076" v="3148" actId="20577"/>
+          <ac:spMkLst>
+            <pc:docMk/>
+            <pc:sldMk cId="2533953125" sldId="265"/>
+            <ac:spMk id="2" creationId="{0D76FE78-2E49-469B-882D-0C9522EBE3A7}"/>
+          </ac:spMkLst>
+        </pc:spChg>
+        <pc:spChg chg="mod">
+          <ac:chgData name="John Ambery" userId="fb00d5ba-693e-43f5-ad02-73db26cd6cd7" providerId="ADAL" clId="{10612E98-0A8A-4D49-AF6A-7E280888A473}" dt="2021-02-17T03:56:19.147" v="3128" actId="403"/>
+          <ac:spMkLst>
+            <pc:docMk/>
+            <pc:sldMk cId="2533953125" sldId="265"/>
+            <ac:spMk id="3" creationId="{A2C6EBB5-9609-4697-9619-3F3E86448934}"/>
+          </ac:spMkLst>
+        </pc:spChg>
+        <pc:picChg chg="add mod">
+          <ac:chgData name="John Ambery" userId="fb00d5ba-693e-43f5-ad02-73db26cd6cd7" providerId="ADAL" clId="{10612E98-0A8A-4D49-AF6A-7E280888A473}" dt="2021-02-17T03:57:21.416" v="3129" actId="1076"/>
+          <ac:picMkLst>
+            <pc:docMk/>
+            <pc:sldMk cId="2533953125" sldId="265"/>
+            <ac:picMk id="4" creationId="{3774C1CB-0572-40CE-B10E-7D30107FB043}"/>
+          </ac:picMkLst>
+        </pc:picChg>
+      </pc:sldChg>
+      <pc:sldChg chg="addSp modSp new mod">
+        <pc:chgData name="John Ambery" userId="fb00d5ba-693e-43f5-ad02-73db26cd6cd7" providerId="ADAL" clId="{10612E98-0A8A-4D49-AF6A-7E280888A473}" dt="2021-02-17T03:58:21.320" v="3159" actId="14100"/>
+        <pc:sldMkLst>
+          <pc:docMk/>
+          <pc:sldMk cId="1666337462" sldId="266"/>
+        </pc:sldMkLst>
+        <pc:picChg chg="add mod">
+          <ac:chgData name="John Ambery" userId="fb00d5ba-693e-43f5-ad02-73db26cd6cd7" providerId="ADAL" clId="{10612E98-0A8A-4D49-AF6A-7E280888A473}" dt="2021-02-17T03:58:02.200" v="3154" actId="14100"/>
+          <ac:picMkLst>
+            <pc:docMk/>
+            <pc:sldMk cId="1666337462" sldId="266"/>
+            <ac:picMk id="2" creationId="{4CA35E70-AEDA-486E-A483-2109AC18C41D}"/>
+          </ac:picMkLst>
+        </pc:picChg>
+        <pc:picChg chg="add mod">
+          <ac:chgData name="John Ambery" userId="fb00d5ba-693e-43f5-ad02-73db26cd6cd7" providerId="ADAL" clId="{10612E98-0A8A-4D49-AF6A-7E280888A473}" dt="2021-02-17T03:58:21.320" v="3159" actId="14100"/>
+          <ac:picMkLst>
+            <pc:docMk/>
+            <pc:sldMk cId="1666337462" sldId="266"/>
+            <ac:picMk id="3" creationId="{CADDEFFA-A837-4194-8C47-A22C1619CD3A}"/>
+          </ac:picMkLst>
+        </pc:picChg>
+      </pc:sldChg>
+      <pc:sldChg chg="addSp modSp new mod">
+        <pc:chgData name="John Ambery" userId="fb00d5ba-693e-43f5-ad02-73db26cd6cd7" providerId="ADAL" clId="{10612E98-0A8A-4D49-AF6A-7E280888A473}" dt="2021-02-17T04:22:48.398" v="4446" actId="1076"/>
+        <pc:sldMkLst>
+          <pc:docMk/>
+          <pc:sldMk cId="527316599" sldId="267"/>
+        </pc:sldMkLst>
+        <pc:spChg chg="mod">
+          <ac:chgData name="John Ambery" userId="fb00d5ba-693e-43f5-ad02-73db26cd6cd7" providerId="ADAL" clId="{10612E98-0A8A-4D49-AF6A-7E280888A473}" dt="2021-02-17T03:59:11.824" v="3202" actId="1076"/>
+          <ac:spMkLst>
+            <pc:docMk/>
+            <pc:sldMk cId="527316599" sldId="267"/>
+            <ac:spMk id="2" creationId="{055DEAC8-CE73-439D-A7D2-0F1DCD711E12}"/>
+          </ac:spMkLst>
+        </pc:spChg>
+        <pc:spChg chg="mod">
+          <ac:chgData name="John Ambery" userId="fb00d5ba-693e-43f5-ad02-73db26cd6cd7" providerId="ADAL" clId="{10612E98-0A8A-4D49-AF6A-7E280888A473}" dt="2021-02-17T04:22:41.645" v="4444" actId="20577"/>
+          <ac:spMkLst>
+            <pc:docMk/>
+            <pc:sldMk cId="527316599" sldId="267"/>
+            <ac:spMk id="3" creationId="{1E4692F6-CCE7-4CC3-8459-770F9D8A2515}"/>
+          </ac:spMkLst>
+        </pc:spChg>
+        <pc:picChg chg="add mod">
+          <ac:chgData name="John Ambery" userId="fb00d5ba-693e-43f5-ad02-73db26cd6cd7" providerId="ADAL" clId="{10612E98-0A8A-4D49-AF6A-7E280888A473}" dt="2021-02-17T04:22:48.398" v="4446" actId="1076"/>
+          <ac:picMkLst>
+            <pc:docMk/>
+            <pc:sldMk cId="527316599" sldId="267"/>
+            <ac:picMk id="2050" creationId="{F959E69A-B7E0-40DC-9325-4B6DA4D5CC26}"/>
+          </ac:picMkLst>
+        </pc:picChg>
+      </pc:sldChg>
+      <pc:sldChg chg="addSp delSp modSp new mod">
+        <pc:chgData name="John Ambery" userId="fb00d5ba-693e-43f5-ad02-73db26cd6cd7" providerId="ADAL" clId="{10612E98-0A8A-4D49-AF6A-7E280888A473}" dt="2021-02-17T04:16:23.935" v="4409" actId="14100"/>
+        <pc:sldMkLst>
+          <pc:docMk/>
+          <pc:sldMk cId="844314262" sldId="268"/>
+        </pc:sldMkLst>
+        <pc:spChg chg="mod">
+          <ac:chgData name="John Ambery" userId="fb00d5ba-693e-43f5-ad02-73db26cd6cd7" providerId="ADAL" clId="{10612E98-0A8A-4D49-AF6A-7E280888A473}" dt="2021-02-17T04:12:00.008" v="4018" actId="20577"/>
+          <ac:spMkLst>
+            <pc:docMk/>
+            <pc:sldMk cId="844314262" sldId="268"/>
+            <ac:spMk id="2" creationId="{0DE4D519-26BD-4F2F-A223-FC79A852C6E4}"/>
+          </ac:spMkLst>
+        </pc:spChg>
+        <pc:spChg chg="mod">
+          <ac:chgData name="John Ambery" userId="fb00d5ba-693e-43f5-ad02-73db26cd6cd7" providerId="ADAL" clId="{10612E98-0A8A-4D49-AF6A-7E280888A473}" dt="2021-02-17T04:15:05.112" v="4400" actId="404"/>
+          <ac:spMkLst>
+            <pc:docMk/>
+            <pc:sldMk cId="844314262" sldId="268"/>
+            <ac:spMk id="3" creationId="{1F41470E-EDD2-410F-A66E-FC3D205A4D6F}"/>
+          </ac:spMkLst>
+        </pc:spChg>
+        <pc:picChg chg="add del mod">
+          <ac:chgData name="John Ambery" userId="fb00d5ba-693e-43f5-ad02-73db26cd6cd7" providerId="ADAL" clId="{10612E98-0A8A-4D49-AF6A-7E280888A473}" dt="2021-02-17T04:15:41.805" v="4404"/>
+          <ac:picMkLst>
+            <pc:docMk/>
+            <pc:sldMk cId="844314262" sldId="268"/>
+            <ac:picMk id="1026" creationId="{FBBA2D83-1ACE-48E1-9764-DE42EB61CBEB}"/>
+          </ac:picMkLst>
+        </pc:picChg>
+        <pc:picChg chg="add del">
+          <ac:chgData name="John Ambery" userId="fb00d5ba-693e-43f5-ad02-73db26cd6cd7" providerId="ADAL" clId="{10612E98-0A8A-4D49-AF6A-7E280888A473}" dt="2021-02-17T04:16:03.930" v="4406"/>
+          <ac:picMkLst>
+            <pc:docMk/>
+            <pc:sldMk cId="844314262" sldId="268"/>
+            <ac:picMk id="1028" creationId="{B5086173-B53B-46C3-8162-105ACF9ECB83}"/>
+          </ac:picMkLst>
+        </pc:picChg>
+        <pc:picChg chg="add mod">
+          <ac:chgData name="John Ambery" userId="fb00d5ba-693e-43f5-ad02-73db26cd6cd7" providerId="ADAL" clId="{10612E98-0A8A-4D49-AF6A-7E280888A473}" dt="2021-02-17T04:16:23.935" v="4409" actId="14100"/>
+          <ac:picMkLst>
+            <pc:docMk/>
+            <pc:sldMk cId="844314262" sldId="268"/>
+            <ac:picMk id="1030" creationId="{0A749BD5-E243-4E69-9D57-D9477053E1D0}"/>
+          </ac:picMkLst>
+        </pc:picChg>
+      </pc:sldChg>
+    </pc:docChg>
+  </pc:docChgLst>
   <pc:docChgLst>
     <pc:chgData name="John Ambery" userId="fb00d5ba-693e-43f5-ad02-73db26cd6cd7" providerId="ADAL" clId="{9CAFA3F3-59FA-4A7E-A4D8-DD07BEB58992}"/>
     <pc:docChg chg="undo custSel mod addSld delSld modSld addMainMaster delMainMaster">
@@ -729,6 +1381,526 @@
     </pc:docChg>
   </pc:docChgLst>
 </pc:chgInfo>
+</file>
+
+<file path=ppt/notesMasters/notesMaster1.xml><?xml version="1.0" encoding="utf-8"?>
+<p:notesMaster xmlns:a="http://schemas.openxmlformats.org/drawingml/2006/main" xmlns:r="http://schemas.openxmlformats.org/officeDocument/2006/relationships" xmlns:p="http://schemas.openxmlformats.org/presentationml/2006/main">
+  <p:cSld>
+    <p:bg>
+      <p:bgRef idx="1001">
+        <a:schemeClr val="bg1"/>
+      </p:bgRef>
+    </p:bg>
+    <p:spTree>
+      <p:nvGrpSpPr>
+        <p:cNvPr id="1" name=""/>
+        <p:cNvGrpSpPr/>
+        <p:nvPr/>
+      </p:nvGrpSpPr>
+      <p:grpSpPr>
+        <a:xfrm>
+          <a:off x="0" y="0"/>
+          <a:ext cx="0" cy="0"/>
+          <a:chOff x="0" y="0"/>
+          <a:chExt cx="0" cy="0"/>
+        </a:xfrm>
+      </p:grpSpPr>
+      <p:sp>
+        <p:nvSpPr>
+          <p:cNvPr id="2" name="Header Placeholder 1"/>
+          <p:cNvSpPr>
+            <a:spLocks noGrp="1"/>
+          </p:cNvSpPr>
+          <p:nvPr>
+            <p:ph type="hdr" sz="quarter"/>
+          </p:nvPr>
+        </p:nvSpPr>
+        <p:spPr>
+          <a:xfrm>
+            <a:off x="0" y="0"/>
+            <a:ext cx="2971800" cy="458788"/>
+          </a:xfrm>
+          <a:prstGeom prst="rect">
+            <a:avLst/>
+          </a:prstGeom>
+        </p:spPr>
+        <p:txBody>
+          <a:bodyPr vert="horz" lIns="91440" tIns="45720" rIns="91440" bIns="45720" rtlCol="0"/>
+          <a:lstStyle>
+            <a:lvl1pPr algn="l">
+              <a:defRPr sz="1200"/>
+            </a:lvl1pPr>
+          </a:lstStyle>
+          <a:p>
+            <a:endParaRPr lang="en-US"/>
+          </a:p>
+        </p:txBody>
+      </p:sp>
+      <p:sp>
+        <p:nvSpPr>
+          <p:cNvPr id="3" name="Date Placeholder 2"/>
+          <p:cNvSpPr>
+            <a:spLocks noGrp="1"/>
+          </p:cNvSpPr>
+          <p:nvPr>
+            <p:ph type="dt" idx="1"/>
+          </p:nvPr>
+        </p:nvSpPr>
+        <p:spPr>
+          <a:xfrm>
+            <a:off x="3884613" y="0"/>
+            <a:ext cx="2971800" cy="458788"/>
+          </a:xfrm>
+          <a:prstGeom prst="rect">
+            <a:avLst/>
+          </a:prstGeom>
+        </p:spPr>
+        <p:txBody>
+          <a:bodyPr vert="horz" lIns="91440" tIns="45720" rIns="91440" bIns="45720" rtlCol="0"/>
+          <a:lstStyle>
+            <a:lvl1pPr algn="r">
+              <a:defRPr sz="1200"/>
+            </a:lvl1pPr>
+          </a:lstStyle>
+          <a:p>
+            <a:fld id="{93F709E3-8EAF-4224-A237-0E6839629ABF}" type="datetimeFigureOut">
+              <a:rPr lang="en-US" smtClean="0"/>
+              <a:t>2/16/2021</a:t>
+            </a:fld>
+            <a:endParaRPr lang="en-US"/>
+          </a:p>
+        </p:txBody>
+      </p:sp>
+      <p:sp>
+        <p:nvSpPr>
+          <p:cNvPr id="4" name="Slide Image Placeholder 3"/>
+          <p:cNvSpPr>
+            <a:spLocks noGrp="1" noRot="1" noChangeAspect="1"/>
+          </p:cNvSpPr>
+          <p:nvPr>
+            <p:ph type="sldImg" idx="2"/>
+          </p:nvPr>
+        </p:nvSpPr>
+        <p:spPr>
+          <a:xfrm>
+            <a:off x="685800" y="1143000"/>
+            <a:ext cx="5486400" cy="3086100"/>
+          </a:xfrm>
+          <a:prstGeom prst="rect">
+            <a:avLst/>
+          </a:prstGeom>
+          <a:noFill/>
+          <a:ln w="12700">
+            <a:solidFill>
+              <a:prstClr val="black"/>
+            </a:solidFill>
+          </a:ln>
+        </p:spPr>
+        <p:txBody>
+          <a:bodyPr vert="horz" lIns="91440" tIns="45720" rIns="91440" bIns="45720" rtlCol="0" anchor="ctr"/>
+          <a:lstStyle/>
+          <a:p>
+            <a:endParaRPr lang="en-US"/>
+          </a:p>
+        </p:txBody>
+      </p:sp>
+      <p:sp>
+        <p:nvSpPr>
+          <p:cNvPr id="5" name="Notes Placeholder 4"/>
+          <p:cNvSpPr>
+            <a:spLocks noGrp="1"/>
+          </p:cNvSpPr>
+          <p:nvPr>
+            <p:ph type="body" sz="quarter" idx="3"/>
+          </p:nvPr>
+        </p:nvSpPr>
+        <p:spPr>
+          <a:xfrm>
+            <a:off x="685800" y="4400550"/>
+            <a:ext cx="5486400" cy="3600450"/>
+          </a:xfrm>
+          <a:prstGeom prst="rect">
+            <a:avLst/>
+          </a:prstGeom>
+        </p:spPr>
+        <p:txBody>
+          <a:bodyPr vert="horz" lIns="91440" tIns="45720" rIns="91440" bIns="45720" rtlCol="0"/>
+          <a:lstStyle/>
+          <a:p>
+            <a:pPr lvl="0"/>
+            <a:r>
+              <a:rPr lang="en-US"/>
+              <a:t>Click to edit Master text styles</a:t>
+            </a:r>
+          </a:p>
+          <a:p>
+            <a:pPr lvl="1"/>
+            <a:r>
+              <a:rPr lang="en-US"/>
+              <a:t>Second level</a:t>
+            </a:r>
+          </a:p>
+          <a:p>
+            <a:pPr lvl="2"/>
+            <a:r>
+              <a:rPr lang="en-US"/>
+              <a:t>Third level</a:t>
+            </a:r>
+          </a:p>
+          <a:p>
+            <a:pPr lvl="3"/>
+            <a:r>
+              <a:rPr lang="en-US"/>
+              <a:t>Fourth level</a:t>
+            </a:r>
+          </a:p>
+          <a:p>
+            <a:pPr lvl="4"/>
+            <a:r>
+              <a:rPr lang="en-US"/>
+              <a:t>Fifth level</a:t>
+            </a:r>
+          </a:p>
+        </p:txBody>
+      </p:sp>
+      <p:sp>
+        <p:nvSpPr>
+          <p:cNvPr id="6" name="Footer Placeholder 5"/>
+          <p:cNvSpPr>
+            <a:spLocks noGrp="1"/>
+          </p:cNvSpPr>
+          <p:nvPr>
+            <p:ph type="ftr" sz="quarter" idx="4"/>
+          </p:nvPr>
+        </p:nvSpPr>
+        <p:spPr>
+          <a:xfrm>
+            <a:off x="0" y="8685213"/>
+            <a:ext cx="2971800" cy="458787"/>
+          </a:xfrm>
+          <a:prstGeom prst="rect">
+            <a:avLst/>
+          </a:prstGeom>
+        </p:spPr>
+        <p:txBody>
+          <a:bodyPr vert="horz" lIns="91440" tIns="45720" rIns="91440" bIns="45720" rtlCol="0" anchor="b"/>
+          <a:lstStyle>
+            <a:lvl1pPr algn="l">
+              <a:defRPr sz="1200"/>
+            </a:lvl1pPr>
+          </a:lstStyle>
+          <a:p>
+            <a:endParaRPr lang="en-US"/>
+          </a:p>
+        </p:txBody>
+      </p:sp>
+      <p:sp>
+        <p:nvSpPr>
+          <p:cNvPr id="7" name="Slide Number Placeholder 6"/>
+          <p:cNvSpPr>
+            <a:spLocks noGrp="1"/>
+          </p:cNvSpPr>
+          <p:nvPr>
+            <p:ph type="sldNum" sz="quarter" idx="5"/>
+          </p:nvPr>
+        </p:nvSpPr>
+        <p:spPr>
+          <a:xfrm>
+            <a:off x="3884613" y="8685213"/>
+            <a:ext cx="2971800" cy="458787"/>
+          </a:xfrm>
+          <a:prstGeom prst="rect">
+            <a:avLst/>
+          </a:prstGeom>
+        </p:spPr>
+        <p:txBody>
+          <a:bodyPr vert="horz" lIns="91440" tIns="45720" rIns="91440" bIns="45720" rtlCol="0" anchor="b"/>
+          <a:lstStyle>
+            <a:lvl1pPr algn="r">
+              <a:defRPr sz="1200"/>
+            </a:lvl1pPr>
+          </a:lstStyle>
+          <a:p>
+            <a:fld id="{E8A18016-D50F-44AD-BDBA-1983BC4F76DC}" type="slidenum">
+              <a:rPr lang="en-US" smtClean="0"/>
+              <a:t>‹#›</a:t>
+            </a:fld>
+            <a:endParaRPr lang="en-US"/>
+          </a:p>
+        </p:txBody>
+      </p:sp>
+    </p:spTree>
+    <p:extLst>
+      <p:ext uri="{BB962C8B-B14F-4D97-AF65-F5344CB8AC3E}">
+        <p14:creationId xmlns:p14="http://schemas.microsoft.com/office/powerpoint/2010/main" val="3140549710"/>
+      </p:ext>
+    </p:extLst>
+  </p:cSld>
+  <p:clrMap bg1="lt1" tx1="dk1" bg2="lt2" tx2="dk2" accent1="accent1" accent2="accent2" accent3="accent3" accent4="accent4" accent5="accent5" accent6="accent6" hlink="hlink" folHlink="folHlink"/>
+  <p:notesStyle>
+    <a:lvl1pPr marL="0" algn="l" defTabSz="914400" rtl="0" eaLnBrk="1" latinLnBrk="0" hangingPunct="1">
+      <a:defRPr sz="1200" kern="1200">
+        <a:solidFill>
+          <a:schemeClr val="tx1"/>
+        </a:solidFill>
+        <a:latin typeface="+mn-lt"/>
+        <a:ea typeface="+mn-ea"/>
+        <a:cs typeface="+mn-cs"/>
+      </a:defRPr>
+    </a:lvl1pPr>
+    <a:lvl2pPr marL="457200" algn="l" defTabSz="914400" rtl="0" eaLnBrk="1" latinLnBrk="0" hangingPunct="1">
+      <a:defRPr sz="1200" kern="1200">
+        <a:solidFill>
+          <a:schemeClr val="tx1"/>
+        </a:solidFill>
+        <a:latin typeface="+mn-lt"/>
+        <a:ea typeface="+mn-ea"/>
+        <a:cs typeface="+mn-cs"/>
+      </a:defRPr>
+    </a:lvl2pPr>
+    <a:lvl3pPr marL="914400" algn="l" defTabSz="914400" rtl="0" eaLnBrk="1" latinLnBrk="0" hangingPunct="1">
+      <a:defRPr sz="1200" kern="1200">
+        <a:solidFill>
+          <a:schemeClr val="tx1"/>
+        </a:solidFill>
+        <a:latin typeface="+mn-lt"/>
+        <a:ea typeface="+mn-ea"/>
+        <a:cs typeface="+mn-cs"/>
+      </a:defRPr>
+    </a:lvl3pPr>
+    <a:lvl4pPr marL="1371600" algn="l" defTabSz="914400" rtl="0" eaLnBrk="1" latinLnBrk="0" hangingPunct="1">
+      <a:defRPr sz="1200" kern="1200">
+        <a:solidFill>
+          <a:schemeClr val="tx1"/>
+        </a:solidFill>
+        <a:latin typeface="+mn-lt"/>
+        <a:ea typeface="+mn-ea"/>
+        <a:cs typeface="+mn-cs"/>
+      </a:defRPr>
+    </a:lvl4pPr>
+    <a:lvl5pPr marL="1828800" algn="l" defTabSz="914400" rtl="0" eaLnBrk="1" latinLnBrk="0" hangingPunct="1">
+      <a:defRPr sz="1200" kern="1200">
+        <a:solidFill>
+          <a:schemeClr val="tx1"/>
+        </a:solidFill>
+        <a:latin typeface="+mn-lt"/>
+        <a:ea typeface="+mn-ea"/>
+        <a:cs typeface="+mn-cs"/>
+      </a:defRPr>
+    </a:lvl5pPr>
+    <a:lvl6pPr marL="2286000" algn="l" defTabSz="914400" rtl="0" eaLnBrk="1" latinLnBrk="0" hangingPunct="1">
+      <a:defRPr sz="1200" kern="1200">
+        <a:solidFill>
+          <a:schemeClr val="tx1"/>
+        </a:solidFill>
+        <a:latin typeface="+mn-lt"/>
+        <a:ea typeface="+mn-ea"/>
+        <a:cs typeface="+mn-cs"/>
+      </a:defRPr>
+    </a:lvl6pPr>
+    <a:lvl7pPr marL="2743200" algn="l" defTabSz="914400" rtl="0" eaLnBrk="1" latinLnBrk="0" hangingPunct="1">
+      <a:defRPr sz="1200" kern="1200">
+        <a:solidFill>
+          <a:schemeClr val="tx1"/>
+        </a:solidFill>
+        <a:latin typeface="+mn-lt"/>
+        <a:ea typeface="+mn-ea"/>
+        <a:cs typeface="+mn-cs"/>
+      </a:defRPr>
+    </a:lvl7pPr>
+    <a:lvl8pPr marL="3200400" algn="l" defTabSz="914400" rtl="0" eaLnBrk="1" latinLnBrk="0" hangingPunct="1">
+      <a:defRPr sz="1200" kern="1200">
+        <a:solidFill>
+          <a:schemeClr val="tx1"/>
+        </a:solidFill>
+        <a:latin typeface="+mn-lt"/>
+        <a:ea typeface="+mn-ea"/>
+        <a:cs typeface="+mn-cs"/>
+      </a:defRPr>
+    </a:lvl8pPr>
+    <a:lvl9pPr marL="3657600" algn="l" defTabSz="914400" rtl="0" eaLnBrk="1" latinLnBrk="0" hangingPunct="1">
+      <a:defRPr sz="1200" kern="1200">
+        <a:solidFill>
+          <a:schemeClr val="tx1"/>
+        </a:solidFill>
+        <a:latin typeface="+mn-lt"/>
+        <a:ea typeface="+mn-ea"/>
+        <a:cs typeface="+mn-cs"/>
+      </a:defRPr>
+    </a:lvl9pPr>
+  </p:notesStyle>
+</p:notesMaster>
+</file>
+
+<file path=ppt/notesSlides/notesSlide1.xml><?xml version="1.0" encoding="utf-8"?>
+<p:notes xmlns:a="http://schemas.openxmlformats.org/drawingml/2006/main" xmlns:r="http://schemas.openxmlformats.org/officeDocument/2006/relationships" xmlns:p="http://schemas.openxmlformats.org/presentationml/2006/main">
+  <p:cSld>
+    <p:spTree>
+      <p:nvGrpSpPr>
+        <p:cNvPr id="1" name=""/>
+        <p:cNvGrpSpPr/>
+        <p:nvPr/>
+      </p:nvGrpSpPr>
+      <p:grpSpPr>
+        <a:xfrm>
+          <a:off x="0" y="0"/>
+          <a:ext cx="0" cy="0"/>
+          <a:chOff x="0" y="0"/>
+          <a:chExt cx="0" cy="0"/>
+        </a:xfrm>
+      </p:grpSpPr>
+      <p:sp>
+        <p:nvSpPr>
+          <p:cNvPr id="2" name="Slide Image Placeholder 1"/>
+          <p:cNvSpPr>
+            <a:spLocks noGrp="1" noRot="1" noChangeAspect="1"/>
+          </p:cNvSpPr>
+          <p:nvPr>
+            <p:ph type="sldImg"/>
+          </p:nvPr>
+        </p:nvSpPr>
+        <p:spPr/>
+      </p:sp>
+      <p:sp>
+        <p:nvSpPr>
+          <p:cNvPr id="3" name="Notes Placeholder 2"/>
+          <p:cNvSpPr>
+            <a:spLocks noGrp="1"/>
+          </p:cNvSpPr>
+          <p:nvPr>
+            <p:ph type="body" idx="1"/>
+          </p:nvPr>
+        </p:nvSpPr>
+        <p:spPr/>
+        <p:txBody>
+          <a:bodyPr/>
+          <a:lstStyle/>
+          <a:p>
+            <a:endParaRPr lang="en-US" dirty="0"/>
+          </a:p>
+        </p:txBody>
+      </p:sp>
+      <p:sp>
+        <p:nvSpPr>
+          <p:cNvPr id="4" name="Slide Number Placeholder 3"/>
+          <p:cNvSpPr>
+            <a:spLocks noGrp="1"/>
+          </p:cNvSpPr>
+          <p:nvPr>
+            <p:ph type="sldNum" sz="quarter" idx="5"/>
+          </p:nvPr>
+        </p:nvSpPr>
+        <p:spPr/>
+        <p:txBody>
+          <a:bodyPr/>
+          <a:lstStyle/>
+          <a:p>
+            <a:fld id="{E8A18016-D50F-44AD-BDBA-1983BC4F76DC}" type="slidenum">
+              <a:rPr lang="en-US" smtClean="0"/>
+              <a:t>1</a:t>
+            </a:fld>
+            <a:endParaRPr lang="en-US"/>
+          </a:p>
+        </p:txBody>
+      </p:sp>
+    </p:spTree>
+    <p:extLst>
+      <p:ext uri="{BB962C8B-B14F-4D97-AF65-F5344CB8AC3E}">
+        <p14:creationId xmlns:p14="http://schemas.microsoft.com/office/powerpoint/2010/main" val="3376185697"/>
+      </p:ext>
+    </p:extLst>
+  </p:cSld>
+  <p:clrMapOvr>
+    <a:masterClrMapping/>
+  </p:clrMapOvr>
+</p:notes>
+</file>
+
+<file path=ppt/notesSlides/notesSlide2.xml><?xml version="1.0" encoding="utf-8"?>
+<p:notes xmlns:a="http://schemas.openxmlformats.org/drawingml/2006/main" xmlns:r="http://schemas.openxmlformats.org/officeDocument/2006/relationships" xmlns:p="http://schemas.openxmlformats.org/presentationml/2006/main">
+  <p:cSld>
+    <p:spTree>
+      <p:nvGrpSpPr>
+        <p:cNvPr id="1" name=""/>
+        <p:cNvGrpSpPr/>
+        <p:nvPr/>
+      </p:nvGrpSpPr>
+      <p:grpSpPr>
+        <a:xfrm>
+          <a:off x="0" y="0"/>
+          <a:ext cx="0" cy="0"/>
+          <a:chOff x="0" y="0"/>
+          <a:chExt cx="0" cy="0"/>
+        </a:xfrm>
+      </p:grpSpPr>
+      <p:sp>
+        <p:nvSpPr>
+          <p:cNvPr id="2" name="Slide Image Placeholder 1"/>
+          <p:cNvSpPr>
+            <a:spLocks noGrp="1" noRot="1" noChangeAspect="1"/>
+          </p:cNvSpPr>
+          <p:nvPr>
+            <p:ph type="sldImg"/>
+          </p:nvPr>
+        </p:nvSpPr>
+        <p:spPr/>
+      </p:sp>
+      <p:sp>
+        <p:nvSpPr>
+          <p:cNvPr id="3" name="Notes Placeholder 2"/>
+          <p:cNvSpPr>
+            <a:spLocks noGrp="1"/>
+          </p:cNvSpPr>
+          <p:nvPr>
+            <p:ph type="body" idx="1"/>
+          </p:nvPr>
+        </p:nvSpPr>
+        <p:spPr/>
+        <p:txBody>
+          <a:bodyPr/>
+          <a:lstStyle/>
+          <a:p>
+            <a:r>
+              <a:rPr lang="en-US" dirty="0"/>
+              <a:t>Start with example that way it will be easier to imagine one before definition is given.</a:t>
+            </a:r>
+          </a:p>
+        </p:txBody>
+      </p:sp>
+      <p:sp>
+        <p:nvSpPr>
+          <p:cNvPr id="4" name="Slide Number Placeholder 3"/>
+          <p:cNvSpPr>
+            <a:spLocks noGrp="1"/>
+          </p:cNvSpPr>
+          <p:nvPr>
+            <p:ph type="sldNum" sz="quarter" idx="5"/>
+          </p:nvPr>
+        </p:nvSpPr>
+        <p:spPr/>
+        <p:txBody>
+          <a:bodyPr/>
+          <a:lstStyle/>
+          <a:p>
+            <a:fld id="{E8A18016-D50F-44AD-BDBA-1983BC4F76DC}" type="slidenum">
+              <a:rPr lang="en-US" smtClean="0"/>
+              <a:t>2</a:t>
+            </a:fld>
+            <a:endParaRPr lang="en-US"/>
+          </a:p>
+        </p:txBody>
+      </p:sp>
+    </p:spTree>
+    <p:extLst>
+      <p:ext uri="{BB962C8B-B14F-4D97-AF65-F5344CB8AC3E}">
+        <p14:creationId xmlns:p14="http://schemas.microsoft.com/office/powerpoint/2010/main" val="197711433"/>
+      </p:ext>
+    </p:extLst>
+  </p:cSld>
+  <p:clrMapOvr>
+    <a:masterClrMapping/>
+  </p:clrMapOvr>
+</p:notes>
 </file>
 
 <file path=ppt/slideLayouts/slideLayout1.xml><?xml version="1.0" encoding="utf-8"?>
@@ -5413,7 +6585,7 @@
           <p:nvPr/>
         </p:nvPicPr>
         <p:blipFill rotWithShape="1">
-          <a:blip r:embed="rId2"/>
+          <a:blip r:embed="rId3"/>
           <a:srcRect t="19575" r="3" b="3"/>
           <a:stretch/>
         </p:blipFill>
@@ -5440,7 +6612,7 @@
 </p:sld>
 </file>
 
-<file path=ppt/slides/slide2.xml><?xml version="1.0" encoding="utf-8"?>
+<file path=ppt/slides/slide10.xml><?xml version="1.0" encoding="utf-8"?>
 <p:sld xmlns:a="http://schemas.openxmlformats.org/drawingml/2006/main" xmlns:r="http://schemas.openxmlformats.org/officeDocument/2006/relationships" xmlns:p="http://schemas.openxmlformats.org/presentationml/2006/main">
   <p:cSld>
     <p:spTree>
@@ -5462,7 +6634,7 @@
           <p:cNvPr id="2" name="Title 1">
             <a:extLst>
               <a:ext uri="{FF2B5EF4-FFF2-40B4-BE49-F238E27FC236}">
-                <a16:creationId xmlns:a16="http://schemas.microsoft.com/office/drawing/2014/main" id="{5C6EF992-A456-4E12-829C-184FE8F53D65}"/>
+                <a16:creationId xmlns:a16="http://schemas.microsoft.com/office/drawing/2014/main" id="{055DEAC8-CE73-439D-A7D2-0F1DCD711E12}"/>
               </a:ext>
             </a:extLst>
           </p:cNvPr>
@@ -5473,12 +6645,20 @@
             <p:ph type="title"/>
           </p:nvPr>
         </p:nvSpPr>
-        <p:spPr/>
+        <p:spPr>
+          <a:xfrm>
+            <a:off x="1066800" y="562384"/>
+            <a:ext cx="10058400" cy="1105995"/>
+          </a:xfrm>
+        </p:spPr>
         <p:txBody>
           <a:bodyPr/>
           <a:lstStyle/>
           <a:p>
-            <a:endParaRPr lang="en-US" dirty="0"/>
+            <a:r>
+              <a:rPr lang="en-US" dirty="0"/>
+              <a:t>Potential Bugs to watch out for</a:t>
+            </a:r>
           </a:p>
         </p:txBody>
       </p:sp>
@@ -5487,7 +6667,7 @@
           <p:cNvPr id="3" name="Content Placeholder 2">
             <a:extLst>
               <a:ext uri="{FF2B5EF4-FFF2-40B4-BE49-F238E27FC236}">
-                <a16:creationId xmlns:a16="http://schemas.microsoft.com/office/drawing/2014/main" id="{5022BB02-8FCE-4E71-AC09-21829F0ADD23}"/>
+                <a16:creationId xmlns:a16="http://schemas.microsoft.com/office/drawing/2014/main" id="{1E4692F6-CCE7-4CC3-8459-770F9D8A2515}"/>
               </a:ext>
             </a:extLst>
           </p:cNvPr>
@@ -5498,19 +6678,2280 @@
             <p:ph idx="1"/>
           </p:nvPr>
         </p:nvSpPr>
-        <p:spPr/>
-        <p:txBody>
-          <a:bodyPr/>
+        <p:spPr>
+          <a:xfrm>
+            <a:off x="1066800" y="1798320"/>
+            <a:ext cx="10058400" cy="3849624"/>
+          </a:xfrm>
+        </p:spPr>
+        <p:txBody>
+          <a:bodyPr>
+            <a:normAutofit lnSpcReduction="10000"/>
+          </a:bodyPr>
           <a:lstStyle/>
           <a:p>
-            <a:endParaRPr lang="en-US"/>
-          </a:p>
-        </p:txBody>
-      </p:sp>
+            <a:pPr>
+              <a:spcBef>
+                <a:spcPts val="0"/>
+              </a:spcBef>
+            </a:pPr>
+            <a:r>
+              <a:rPr lang="en-US" sz="2400" dirty="0"/>
+              <a:t>An object of a decorator class possesses the same fields as the decorated object, but they are not used and remain uninitialized (because the wrapper class extends the wrapped class)</a:t>
+            </a:r>
+          </a:p>
+          <a:p>
+            <a:pPr>
+              <a:spcBef>
+                <a:spcPts val="0"/>
+              </a:spcBef>
+            </a:pPr>
+            <a:r>
+              <a:rPr lang="en-US" sz="2400" dirty="0"/>
+              <a:t>This will become an issue when a decorated object is </a:t>
+            </a:r>
+          </a:p>
+          <a:p>
+            <a:pPr marL="0" indent="0">
+              <a:spcBef>
+                <a:spcPts val="0"/>
+              </a:spcBef>
+              <a:buNone/>
+            </a:pPr>
+            <a:r>
+              <a:rPr lang="en-US" sz="2400" dirty="0"/>
+              <a:t>  passed to a method that accepts an undecorated object </a:t>
+            </a:r>
+          </a:p>
+          <a:p>
+            <a:pPr marL="0" indent="0">
+              <a:spcBef>
+                <a:spcPts val="0"/>
+              </a:spcBef>
+              <a:buNone/>
+            </a:pPr>
+            <a:r>
+              <a:rPr lang="en-US" sz="2400" dirty="0"/>
+              <a:t>  and refers to its fields directly</a:t>
+            </a:r>
+          </a:p>
+          <a:p>
+            <a:pPr lvl="1">
+              <a:spcBef>
+                <a:spcPts val="0"/>
+              </a:spcBef>
+            </a:pPr>
+            <a:r>
+              <a:rPr lang="en-US" sz="2000" dirty="0"/>
+              <a:t>To avoid this, you should not refer directly to fields of other </a:t>
+            </a:r>
+          </a:p>
+          <a:p>
+            <a:pPr marL="274320" lvl="1" indent="0">
+              <a:spcBef>
+                <a:spcPts val="0"/>
+              </a:spcBef>
+              <a:buNone/>
+            </a:pPr>
+            <a:r>
+              <a:rPr lang="en-US" sz="2000" dirty="0"/>
+              <a:t>   objects passed to methods, even if they appear to be objects </a:t>
+            </a:r>
+          </a:p>
+          <a:p>
+            <a:pPr marL="274320" lvl="1" indent="0">
+              <a:spcBef>
+                <a:spcPts val="0"/>
+              </a:spcBef>
+              <a:buNone/>
+            </a:pPr>
+            <a:r>
+              <a:rPr lang="en-US" sz="2000" dirty="0"/>
+              <a:t>   of the same class</a:t>
+            </a:r>
+          </a:p>
+          <a:p>
+            <a:pPr>
+              <a:spcBef>
+                <a:spcPts val="0"/>
+              </a:spcBef>
+            </a:pPr>
+            <a:r>
+              <a:rPr lang="en-US" sz="2200" dirty="0"/>
+              <a:t>Also, too many decorated layers make code unreadable</a:t>
+            </a:r>
+          </a:p>
+        </p:txBody>
+      </p:sp>
+      <p:pic>
+        <p:nvPicPr>
+          <p:cNvPr id="2050" name="Picture 2" descr="Image result for debugging meme">
+            <a:extLst>
+              <a:ext uri="{FF2B5EF4-FFF2-40B4-BE49-F238E27FC236}">
+                <a16:creationId xmlns:a16="http://schemas.microsoft.com/office/drawing/2014/main" id="{F959E69A-B7E0-40DC-9325-4B6DA4D5CC26}"/>
+              </a:ext>
+            </a:extLst>
+          </p:cNvPr>
+          <p:cNvPicPr>
+            <a:picLocks noChangeAspect="1" noChangeArrowheads="1"/>
+          </p:cNvPicPr>
+          <p:nvPr/>
+        </p:nvPicPr>
+        <p:blipFill>
+          <a:blip r:embed="rId2">
+            <a:extLst>
+              <a:ext uri="{28A0092B-C50C-407E-A947-70E740481C1C}">
+                <a14:useLocalDpi xmlns:a14="http://schemas.microsoft.com/office/drawing/2010/main" val="0"/>
+              </a:ext>
+            </a:extLst>
+          </a:blip>
+          <a:srcRect/>
+          <a:stretch>
+            <a:fillRect/>
+          </a:stretch>
+        </p:blipFill>
+        <p:spPr bwMode="auto">
+          <a:xfrm>
+            <a:off x="8622322" y="2918972"/>
+            <a:ext cx="3030415" cy="3030415"/>
+          </a:xfrm>
+          <a:prstGeom prst="rect">
+            <a:avLst/>
+          </a:prstGeom>
+          <a:noFill/>
+          <a:extLst>
+            <a:ext uri="{909E8E84-426E-40DD-AFC4-6F175D3DCCD1}">
+              <a14:hiddenFill xmlns:a14="http://schemas.microsoft.com/office/drawing/2010/main">
+                <a:solidFill>
+                  <a:srgbClr val="FFFFFF"/>
+                </a:solidFill>
+              </a14:hiddenFill>
+            </a:ext>
+          </a:extLst>
+        </p:spPr>
+      </p:pic>
     </p:spTree>
     <p:extLst>
       <p:ext uri="{BB962C8B-B14F-4D97-AF65-F5344CB8AC3E}">
-        <p14:creationId xmlns:p14="http://schemas.microsoft.com/office/powerpoint/2010/main" val="3959614998"/>
+        <p14:creationId xmlns:p14="http://schemas.microsoft.com/office/powerpoint/2010/main" val="527316599"/>
+      </p:ext>
+    </p:extLst>
+  </p:cSld>
+  <p:clrMapOvr>
+    <a:masterClrMapping/>
+  </p:clrMapOvr>
+</p:sld>
+</file>
+
+<file path=ppt/slides/slide11.xml><?xml version="1.0" encoding="utf-8"?>
+<p:sld xmlns:a="http://schemas.openxmlformats.org/drawingml/2006/main" xmlns:r="http://schemas.openxmlformats.org/officeDocument/2006/relationships" xmlns:p="http://schemas.openxmlformats.org/presentationml/2006/main">
+  <p:cSld>
+    <p:spTree>
+      <p:nvGrpSpPr>
+        <p:cNvPr id="1" name=""/>
+        <p:cNvGrpSpPr/>
+        <p:nvPr/>
+      </p:nvGrpSpPr>
+      <p:grpSpPr>
+        <a:xfrm>
+          <a:off x="0" y="0"/>
+          <a:ext cx="0" cy="0"/>
+          <a:chOff x="0" y="0"/>
+          <a:chExt cx="0" cy="0"/>
+        </a:xfrm>
+      </p:grpSpPr>
+      <p:sp>
+        <p:nvSpPr>
+          <p:cNvPr id="2" name="Title 1">
+            <a:extLst>
+              <a:ext uri="{FF2B5EF4-FFF2-40B4-BE49-F238E27FC236}">
+                <a16:creationId xmlns:a16="http://schemas.microsoft.com/office/drawing/2014/main" id="{0DE4D519-26BD-4F2F-A223-FC79A852C6E4}"/>
+              </a:ext>
+            </a:extLst>
+          </p:cNvPr>
+          <p:cNvSpPr>
+            <a:spLocks noGrp="1"/>
+          </p:cNvSpPr>
+          <p:nvPr>
+            <p:ph type="title"/>
+          </p:nvPr>
+        </p:nvSpPr>
+        <p:spPr/>
+        <p:txBody>
+          <a:bodyPr/>
+          <a:lstStyle/>
+          <a:p>
+            <a:r>
+              <a:rPr lang="en-US" dirty="0"/>
+              <a:t>Review Questions!</a:t>
+            </a:r>
+          </a:p>
+        </p:txBody>
+      </p:sp>
+      <p:sp>
+        <p:nvSpPr>
+          <p:cNvPr id="3" name="Content Placeholder 2">
+            <a:extLst>
+              <a:ext uri="{FF2B5EF4-FFF2-40B4-BE49-F238E27FC236}">
+                <a16:creationId xmlns:a16="http://schemas.microsoft.com/office/drawing/2014/main" id="{1F41470E-EDD2-410F-A66E-FC3D205A4D6F}"/>
+              </a:ext>
+            </a:extLst>
+          </p:cNvPr>
+          <p:cNvSpPr>
+            <a:spLocks noGrp="1"/>
+          </p:cNvSpPr>
+          <p:nvPr>
+            <p:ph idx="1"/>
+          </p:nvPr>
+        </p:nvSpPr>
+        <p:spPr/>
+        <p:txBody>
+          <a:bodyPr>
+            <a:normAutofit/>
+          </a:bodyPr>
+          <a:lstStyle/>
+          <a:p>
+            <a:r>
+              <a:rPr lang="en-US" sz="2800" dirty="0"/>
+              <a:t>When is it a good idea utilize a decorator?</a:t>
+            </a:r>
+          </a:p>
+          <a:p>
+            <a:r>
+              <a:rPr lang="en-US" sz="2800" dirty="0"/>
+              <a:t>Explain the relationship between the decorator and the base class.</a:t>
+            </a:r>
+          </a:p>
+          <a:p>
+            <a:r>
+              <a:rPr lang="en-US" sz="2800" dirty="0"/>
+              <a:t>What is one of the problems a decorator can resolve?</a:t>
+            </a:r>
+          </a:p>
+          <a:p>
+            <a:r>
+              <a:rPr lang="en-US" sz="2800" dirty="0"/>
+              <a:t>What is a “decorator adapter”?</a:t>
+            </a:r>
+          </a:p>
+          <a:p>
+            <a:r>
+              <a:rPr lang="en-US" sz="2800" dirty="0"/>
+              <a:t>When would it be a good idea to use one?</a:t>
+            </a:r>
+          </a:p>
+          <a:p>
+            <a:endParaRPr lang="en-US" sz="2800" dirty="0"/>
+          </a:p>
+        </p:txBody>
+      </p:sp>
+      <p:pic>
+        <p:nvPicPr>
+          <p:cNvPr id="1030" name="Picture 6" descr="Image result for thinking emoji">
+            <a:extLst>
+              <a:ext uri="{FF2B5EF4-FFF2-40B4-BE49-F238E27FC236}">
+                <a16:creationId xmlns:a16="http://schemas.microsoft.com/office/drawing/2014/main" id="{0A749BD5-E243-4E69-9D57-D9477053E1D0}"/>
+              </a:ext>
+            </a:extLst>
+          </p:cNvPr>
+          <p:cNvPicPr>
+            <a:picLocks noChangeAspect="1" noChangeArrowheads="1"/>
+          </p:cNvPicPr>
+          <p:nvPr/>
+        </p:nvPicPr>
+        <p:blipFill>
+          <a:blip r:embed="rId2">
+            <a:extLst>
+              <a:ext uri="{28A0092B-C50C-407E-A947-70E740481C1C}">
+                <a14:useLocalDpi xmlns:a14="http://schemas.microsoft.com/office/drawing/2010/main" val="0"/>
+              </a:ext>
+            </a:extLst>
+          </a:blip>
+          <a:srcRect/>
+          <a:stretch>
+            <a:fillRect/>
+          </a:stretch>
+        </p:blipFill>
+        <p:spPr bwMode="auto">
+          <a:xfrm>
+            <a:off x="9566031" y="4182551"/>
+            <a:ext cx="2032855" cy="2032855"/>
+          </a:xfrm>
+          <a:prstGeom prst="rect">
+            <a:avLst/>
+          </a:prstGeom>
+          <a:noFill/>
+          <a:extLst>
+            <a:ext uri="{909E8E84-426E-40DD-AFC4-6F175D3DCCD1}">
+              <a14:hiddenFill xmlns:a14="http://schemas.microsoft.com/office/drawing/2010/main">
+                <a:solidFill>
+                  <a:srgbClr val="FFFFFF"/>
+                </a:solidFill>
+              </a14:hiddenFill>
+            </a:ext>
+          </a:extLst>
+        </p:spPr>
+      </p:pic>
+    </p:spTree>
+    <p:extLst>
+      <p:ext uri="{BB962C8B-B14F-4D97-AF65-F5344CB8AC3E}">
+        <p14:creationId xmlns:p14="http://schemas.microsoft.com/office/powerpoint/2010/main" val="844314262"/>
+      </p:ext>
+    </p:extLst>
+  </p:cSld>
+  <p:clrMapOvr>
+    <a:masterClrMapping/>
+  </p:clrMapOvr>
+</p:sld>
+</file>
+
+<file path=ppt/slides/slide2.xml><?xml version="1.0" encoding="utf-8"?>
+<p:sld xmlns:a="http://schemas.openxmlformats.org/drawingml/2006/main" xmlns:r="http://schemas.openxmlformats.org/officeDocument/2006/relationships" xmlns:p="http://schemas.openxmlformats.org/presentationml/2006/main">
+  <p:cSld>
+    <p:bg>
+      <p:bgPr>
+        <a:solidFill>
+          <a:schemeClr val="bg1"/>
+        </a:solidFill>
+        <a:effectLst/>
+      </p:bgPr>
+    </p:bg>
+    <p:spTree>
+      <p:nvGrpSpPr>
+        <p:cNvPr id="1" name=""/>
+        <p:cNvGrpSpPr/>
+        <p:nvPr/>
+      </p:nvGrpSpPr>
+      <p:grpSpPr>
+        <a:xfrm>
+          <a:off x="0" y="0"/>
+          <a:ext cx="0" cy="0"/>
+          <a:chOff x="0" y="0"/>
+          <a:chExt cx="0" cy="0"/>
+        </a:xfrm>
+      </p:grpSpPr>
+      <p:sp>
+        <p:nvSpPr>
+          <p:cNvPr id="14" name="Rectangle 13">
+            <a:extLst>
+              <a:ext uri="{FF2B5EF4-FFF2-40B4-BE49-F238E27FC236}">
+                <a16:creationId xmlns:a16="http://schemas.microsoft.com/office/drawing/2014/main" id="{282E2A95-1A08-4118-83C6-B1CA5648E075}"/>
+              </a:ext>
+              <a:ext uri="{C183D7F6-B498-43B3-948B-1728B52AA6E4}">
+                <adec:decorative xmlns:adec="http://schemas.microsoft.com/office/drawing/2017/decorative" val="1"/>
+              </a:ext>
+            </a:extLst>
+          </p:cNvPr>
+          <p:cNvSpPr>
+            <a:spLocks noGrp="1" noRot="1" noChangeAspect="1" noMove="1" noResize="1" noEditPoints="1" noAdjustHandles="1" noChangeArrowheads="1" noChangeShapeType="1" noTextEdit="1"/>
+          </p:cNvSpPr>
+          <p:nvPr>
+            <p:extLst>
+              <p:ext uri="{386F3935-93C4-4BCD-93E2-E3B085C9AB24}">
+                <p16:designElem xmlns:p16="http://schemas.microsoft.com/office/powerpoint/2015/main" val="1"/>
+              </p:ext>
+            </p:extLst>
+          </p:nvPr>
+        </p:nvSpPr>
+        <p:spPr>
+          <a:xfrm>
+            <a:off x="0" y="0"/>
+            <a:ext cx="12192000" cy="6858000"/>
+          </a:xfrm>
+          <a:prstGeom prst="rect">
+            <a:avLst/>
+          </a:prstGeom>
+          <a:ln>
+            <a:noFill/>
+          </a:ln>
+        </p:spPr>
+        <p:style>
+          <a:lnRef idx="2">
+            <a:schemeClr val="accent1">
+              <a:shade val="50000"/>
+            </a:schemeClr>
+          </a:lnRef>
+          <a:fillRef idx="1001">
+            <a:schemeClr val="lt1"/>
+          </a:fillRef>
+          <a:effectRef idx="0">
+            <a:schemeClr val="accent1"/>
+          </a:effectRef>
+          <a:fontRef idx="minor">
+            <a:schemeClr val="lt1"/>
+          </a:fontRef>
+        </p:style>
+        <p:txBody>
+          <a:bodyPr rtlCol="0" anchor="ctr"/>
+          <a:lstStyle/>
+          <a:p>
+            <a:pPr algn="ctr"/>
+            <a:endParaRPr lang="en-US"/>
+          </a:p>
+        </p:txBody>
+      </p:sp>
+      <p:sp>
+        <p:nvSpPr>
+          <p:cNvPr id="16" name="Rectangle 15">
+            <a:extLst>
+              <a:ext uri="{FF2B5EF4-FFF2-40B4-BE49-F238E27FC236}">
+                <a16:creationId xmlns:a16="http://schemas.microsoft.com/office/drawing/2014/main" id="{2FFEFC7E-85EE-4AC9-A351-FBEB13A1D622}"/>
+              </a:ext>
+              <a:ext uri="{C183D7F6-B498-43B3-948B-1728B52AA6E4}">
+                <adec:decorative xmlns:adec="http://schemas.microsoft.com/office/drawing/2017/decorative" val="1"/>
+              </a:ext>
+            </a:extLst>
+          </p:cNvPr>
+          <p:cNvSpPr>
+            <a:spLocks noGrp="1" noRot="1" noChangeAspect="1" noMove="1" noResize="1" noEditPoints="1" noAdjustHandles="1" noChangeArrowheads="1" noChangeShapeType="1" noTextEdit="1"/>
+          </p:cNvSpPr>
+          <p:nvPr>
+            <p:extLst>
+              <p:ext uri="{386F3935-93C4-4BCD-93E2-E3B085C9AB24}">
+                <p16:designElem xmlns:p16="http://schemas.microsoft.com/office/powerpoint/2015/main" val="1"/>
+              </p:ext>
+            </p:extLst>
+          </p:nvPr>
+        </p:nvSpPr>
+        <p:spPr>
+          <a:xfrm>
+            <a:off x="245534" y="237744"/>
+            <a:ext cx="2926080" cy="6382512"/>
+          </a:xfrm>
+          <a:prstGeom prst="rect">
+            <a:avLst/>
+          </a:prstGeom>
+          <a:solidFill>
+            <a:schemeClr val="bg1">
+              <a:lumMod val="75000"/>
+              <a:lumOff val="25000"/>
+            </a:schemeClr>
+          </a:solidFill>
+          <a:ln>
+            <a:noFill/>
+          </a:ln>
+        </p:spPr>
+        <p:style>
+          <a:lnRef idx="2">
+            <a:schemeClr val="accent1">
+              <a:shade val="50000"/>
+            </a:schemeClr>
+          </a:lnRef>
+          <a:fillRef idx="1">
+            <a:schemeClr val="accent1"/>
+          </a:fillRef>
+          <a:effectRef idx="0">
+            <a:schemeClr val="accent1"/>
+          </a:effectRef>
+          <a:fontRef idx="minor">
+            <a:schemeClr val="lt1"/>
+          </a:fontRef>
+        </p:style>
+      </p:sp>
+      <p:sp>
+        <p:nvSpPr>
+          <p:cNvPr id="18" name="Rectangle 17">
+            <a:extLst>
+              <a:ext uri="{FF2B5EF4-FFF2-40B4-BE49-F238E27FC236}">
+                <a16:creationId xmlns:a16="http://schemas.microsoft.com/office/drawing/2014/main" id="{CB2511BB-FC4C-45F3-94EB-661D6806C942}"/>
+              </a:ext>
+              <a:ext uri="{C183D7F6-B498-43B3-948B-1728B52AA6E4}">
+                <adec:decorative xmlns:adec="http://schemas.microsoft.com/office/drawing/2017/decorative" val="1"/>
+              </a:ext>
+            </a:extLst>
+          </p:cNvPr>
+          <p:cNvSpPr>
+            <a:spLocks noGrp="1" noRot="1" noChangeAspect="1" noMove="1" noResize="1" noEditPoints="1" noAdjustHandles="1" noChangeArrowheads="1" noChangeShapeType="1" noTextEdit="1"/>
+          </p:cNvSpPr>
+          <p:nvPr>
+            <p:extLst>
+              <p:ext uri="{386F3935-93C4-4BCD-93E2-E3B085C9AB24}">
+                <p16:designElem xmlns:p16="http://schemas.microsoft.com/office/powerpoint/2015/main" val="1"/>
+              </p:ext>
+            </p:extLst>
+          </p:nvPr>
+        </p:nvSpPr>
+        <p:spPr>
+          <a:xfrm>
+            <a:off x="419100" y="413053"/>
+            <a:ext cx="2616201" cy="6064596"/>
+          </a:xfrm>
+          <a:prstGeom prst="rect">
+            <a:avLst/>
+          </a:prstGeom>
+          <a:noFill/>
+          <a:ln w="6350">
+            <a:solidFill>
+              <a:schemeClr val="tx1">
+                <a:lumMod val="75000"/>
+                <a:lumOff val="25000"/>
+              </a:schemeClr>
+            </a:solidFill>
+          </a:ln>
+        </p:spPr>
+        <p:style>
+          <a:lnRef idx="2">
+            <a:schemeClr val="accent1">
+              <a:shade val="50000"/>
+            </a:schemeClr>
+          </a:lnRef>
+          <a:fillRef idx="1">
+            <a:schemeClr val="accent1"/>
+          </a:fillRef>
+          <a:effectRef idx="0">
+            <a:schemeClr val="accent1"/>
+          </a:effectRef>
+          <a:fontRef idx="minor">
+            <a:schemeClr val="lt1"/>
+          </a:fontRef>
+        </p:style>
+        <p:txBody>
+          <a:bodyPr rtlCol="0" anchor="ctr"/>
+          <a:lstStyle/>
+          <a:p>
+            <a:pPr algn="ctr"/>
+            <a:endParaRPr lang="en-US"/>
+          </a:p>
+        </p:txBody>
+      </p:sp>
+      <p:sp>
+        <p:nvSpPr>
+          <p:cNvPr id="7" name="Title 6">
+            <a:extLst>
+              <a:ext uri="{FF2B5EF4-FFF2-40B4-BE49-F238E27FC236}">
+                <a16:creationId xmlns:a16="http://schemas.microsoft.com/office/drawing/2014/main" id="{3635DB00-1553-4195-80ED-95E096EBE05E}"/>
+              </a:ext>
+            </a:extLst>
+          </p:cNvPr>
+          <p:cNvSpPr>
+            <a:spLocks noGrp="1"/>
+          </p:cNvSpPr>
+          <p:nvPr>
+            <p:ph type="title"/>
+          </p:nvPr>
+        </p:nvSpPr>
+        <p:spPr>
+          <a:xfrm>
+            <a:off x="552333" y="503339"/>
+            <a:ext cx="2312480" cy="938122"/>
+          </a:xfrm>
+        </p:spPr>
+        <p:txBody>
+          <a:bodyPr anchor="b">
+            <a:normAutofit/>
+          </a:bodyPr>
+          <a:lstStyle/>
+          <a:p>
+            <a:r>
+              <a:rPr lang="en-US" sz="2800" dirty="0"/>
+              <a:t>Example of a Decorator</a:t>
+            </a:r>
+          </a:p>
+        </p:txBody>
+      </p:sp>
+      <p:sp>
+        <p:nvSpPr>
+          <p:cNvPr id="8" name="Content Placeholder 7">
+            <a:extLst>
+              <a:ext uri="{FF2B5EF4-FFF2-40B4-BE49-F238E27FC236}">
+                <a16:creationId xmlns:a16="http://schemas.microsoft.com/office/drawing/2014/main" id="{F58BE9B1-CED3-4F79-9AA3-5A1A8503E33F}"/>
+              </a:ext>
+            </a:extLst>
+          </p:cNvPr>
+          <p:cNvSpPr>
+            <a:spLocks noGrp="1"/>
+          </p:cNvSpPr>
+          <p:nvPr>
+            <p:ph idx="1"/>
+          </p:nvPr>
+        </p:nvSpPr>
+        <p:spPr>
+          <a:xfrm>
+            <a:off x="488409" y="1616770"/>
+            <a:ext cx="2477581" cy="3854197"/>
+          </a:xfrm>
+        </p:spPr>
+        <p:txBody>
+          <a:bodyPr>
+            <a:normAutofit/>
+          </a:bodyPr>
+          <a:lstStyle/>
+          <a:p>
+            <a:r>
+              <a:rPr lang="en-US" sz="2000" dirty="0">
+                <a:solidFill>
+                  <a:schemeClr val="tx1">
+                    <a:lumMod val="85000"/>
+                    <a:lumOff val="15000"/>
+                  </a:schemeClr>
+                </a:solidFill>
+              </a:rPr>
+              <a:t>Say we have a Triangle class which is the parent class to RightTriangle and IsocelesTriangle. We want to make a variant of these that have a median line drawn with them.</a:t>
+            </a:r>
+          </a:p>
+          <a:p>
+            <a:endParaRPr lang="en-US" sz="1400" dirty="0">
+              <a:solidFill>
+                <a:schemeClr val="tx1">
+                  <a:lumMod val="85000"/>
+                  <a:lumOff val="15000"/>
+                </a:schemeClr>
+              </a:solidFill>
+            </a:endParaRPr>
+          </a:p>
+        </p:txBody>
+      </p:sp>
+      <p:sp>
+        <p:nvSpPr>
+          <p:cNvPr id="20" name="Rectangle 19">
+            <a:extLst>
+              <a:ext uri="{FF2B5EF4-FFF2-40B4-BE49-F238E27FC236}">
+                <a16:creationId xmlns:a16="http://schemas.microsoft.com/office/drawing/2014/main" id="{68DC0EC7-60EA-4BD3-BC04-D547DE1B2891}"/>
+              </a:ext>
+              <a:ext uri="{C183D7F6-B498-43B3-948B-1728B52AA6E4}">
+                <adec:decorative xmlns:adec="http://schemas.microsoft.com/office/drawing/2017/decorative" val="1"/>
+              </a:ext>
+            </a:extLst>
+          </p:cNvPr>
+          <p:cNvSpPr>
+            <a:spLocks noGrp="1" noRot="1" noChangeAspect="1" noMove="1" noResize="1" noEditPoints="1" noAdjustHandles="1" noChangeArrowheads="1" noChangeShapeType="1" noTextEdit="1"/>
+          </p:cNvSpPr>
+          <p:nvPr>
+            <p:extLst>
+              <p:ext uri="{386F3935-93C4-4BCD-93E2-E3B085C9AB24}">
+                <p16:designElem xmlns:p16="http://schemas.microsoft.com/office/powerpoint/2015/main" val="1"/>
+              </p:ext>
+            </p:extLst>
+          </p:nvPr>
+        </p:nvSpPr>
+        <p:spPr>
+          <a:xfrm>
+            <a:off x="3569764" y="413053"/>
+            <a:ext cx="8212114" cy="6064596"/>
+          </a:xfrm>
+          <a:prstGeom prst="rect">
+            <a:avLst/>
+          </a:prstGeom>
+          <a:noFill/>
+          <a:ln w="6350" cap="sq" cmpd="sng" algn="ctr">
+            <a:solidFill>
+              <a:srgbClr val="404040"/>
+            </a:solidFill>
+            <a:prstDash val="solid"/>
+            <a:miter lim="800000"/>
+          </a:ln>
+          <a:effectLst/>
+        </p:spPr>
+      </p:sp>
+      <p:pic>
+        <p:nvPicPr>
+          <p:cNvPr id="9" name="Picture 8" descr="Text&#10;&#10;Description automatically generated">
+            <a:extLst>
+              <a:ext uri="{FF2B5EF4-FFF2-40B4-BE49-F238E27FC236}">
+                <a16:creationId xmlns:a16="http://schemas.microsoft.com/office/drawing/2014/main" id="{F717C269-A3B9-40DC-969F-993B21491E7F}"/>
+              </a:ext>
+            </a:extLst>
+          </p:cNvPr>
+          <p:cNvPicPr>
+            <a:picLocks noChangeAspect="1"/>
+          </p:cNvPicPr>
+          <p:nvPr/>
+        </p:nvPicPr>
+        <p:blipFill>
+          <a:blip r:embed="rId3"/>
+          <a:stretch>
+            <a:fillRect/>
+          </a:stretch>
+        </p:blipFill>
+        <p:spPr>
+          <a:xfrm>
+            <a:off x="4049422" y="1278606"/>
+            <a:ext cx="7237877" cy="4329196"/>
+          </a:xfrm>
+          <a:prstGeom prst="rect">
+            <a:avLst/>
+          </a:prstGeom>
+        </p:spPr>
+      </p:pic>
+    </p:spTree>
+    <p:extLst>
+      <p:ext uri="{BB962C8B-B14F-4D97-AF65-F5344CB8AC3E}">
+        <p14:creationId xmlns:p14="http://schemas.microsoft.com/office/powerpoint/2010/main" val="3444785612"/>
+      </p:ext>
+    </p:extLst>
+  </p:cSld>
+  <p:clrMapOvr>
+    <a:overrideClrMapping bg1="dk1" tx1="lt1" bg2="dk2" tx2="lt2" accent1="accent1" accent2="accent2" accent3="accent3" accent4="accent4" accent5="accent5" accent6="accent6" hlink="hlink" folHlink="folHlink"/>
+  </p:clrMapOvr>
+</p:sld>
+</file>
+
+<file path=ppt/slides/slide3.xml><?xml version="1.0" encoding="utf-8"?>
+<p:sld xmlns:a="http://schemas.openxmlformats.org/drawingml/2006/main" xmlns:r="http://schemas.openxmlformats.org/officeDocument/2006/relationships" xmlns:p="http://schemas.openxmlformats.org/presentationml/2006/main">
+  <p:cSld>
+    <p:bg>
+      <p:bgPr>
+        <a:solidFill>
+          <a:schemeClr val="bg1"/>
+        </a:solidFill>
+        <a:effectLst/>
+      </p:bgPr>
+    </p:bg>
+    <p:spTree>
+      <p:nvGrpSpPr>
+        <p:cNvPr id="1" name=""/>
+        <p:cNvGrpSpPr/>
+        <p:nvPr/>
+      </p:nvGrpSpPr>
+      <p:grpSpPr>
+        <a:xfrm>
+          <a:off x="0" y="0"/>
+          <a:ext cx="0" cy="0"/>
+          <a:chOff x="0" y="0"/>
+          <a:chExt cx="0" cy="0"/>
+        </a:xfrm>
+      </p:grpSpPr>
+      <p:sp>
+        <p:nvSpPr>
+          <p:cNvPr id="23" name="Rectangle 15">
+            <a:extLst>
+              <a:ext uri="{FF2B5EF4-FFF2-40B4-BE49-F238E27FC236}">
+                <a16:creationId xmlns:a16="http://schemas.microsoft.com/office/drawing/2014/main" id="{282E2A95-1A08-4118-83C6-B1CA5648E075}"/>
+              </a:ext>
+              <a:ext uri="{C183D7F6-B498-43B3-948B-1728B52AA6E4}">
+                <adec:decorative xmlns:adec="http://schemas.microsoft.com/office/drawing/2017/decorative" val="1"/>
+              </a:ext>
+            </a:extLst>
+          </p:cNvPr>
+          <p:cNvSpPr>
+            <a:spLocks noGrp="1" noRot="1" noChangeAspect="1" noMove="1" noResize="1" noEditPoints="1" noAdjustHandles="1" noChangeArrowheads="1" noChangeShapeType="1" noTextEdit="1"/>
+          </p:cNvSpPr>
+          <p:nvPr>
+            <p:extLst>
+              <p:ext uri="{386F3935-93C4-4BCD-93E2-E3B085C9AB24}">
+                <p16:designElem xmlns:p16="http://schemas.microsoft.com/office/powerpoint/2015/main" val="1"/>
+              </p:ext>
+            </p:extLst>
+          </p:nvPr>
+        </p:nvSpPr>
+        <p:spPr>
+          <a:xfrm>
+            <a:off x="0" y="0"/>
+            <a:ext cx="12192000" cy="6858000"/>
+          </a:xfrm>
+          <a:prstGeom prst="rect">
+            <a:avLst/>
+          </a:prstGeom>
+          <a:ln>
+            <a:noFill/>
+          </a:ln>
+        </p:spPr>
+        <p:style>
+          <a:lnRef idx="2">
+            <a:schemeClr val="accent1">
+              <a:shade val="50000"/>
+            </a:schemeClr>
+          </a:lnRef>
+          <a:fillRef idx="1001">
+            <a:schemeClr val="lt1"/>
+          </a:fillRef>
+          <a:effectRef idx="0">
+            <a:schemeClr val="accent1"/>
+          </a:effectRef>
+          <a:fontRef idx="minor">
+            <a:schemeClr val="lt1"/>
+          </a:fontRef>
+        </p:style>
+        <p:txBody>
+          <a:bodyPr rtlCol="0" anchor="ctr"/>
+          <a:lstStyle/>
+          <a:p>
+            <a:pPr algn="ctr"/>
+            <a:endParaRPr lang="en-US"/>
+          </a:p>
+        </p:txBody>
+      </p:sp>
+      <p:sp>
+        <p:nvSpPr>
+          <p:cNvPr id="24" name="Rectangle 17">
+            <a:extLst>
+              <a:ext uri="{FF2B5EF4-FFF2-40B4-BE49-F238E27FC236}">
+                <a16:creationId xmlns:a16="http://schemas.microsoft.com/office/drawing/2014/main" id="{2FFEFC7E-85EE-4AC9-A351-FBEB13A1D622}"/>
+              </a:ext>
+              <a:ext uri="{C183D7F6-B498-43B3-948B-1728B52AA6E4}">
+                <adec:decorative xmlns:adec="http://schemas.microsoft.com/office/drawing/2017/decorative" val="1"/>
+              </a:ext>
+            </a:extLst>
+          </p:cNvPr>
+          <p:cNvSpPr>
+            <a:spLocks noGrp="1" noRot="1" noChangeAspect="1" noMove="1" noResize="1" noEditPoints="1" noAdjustHandles="1" noChangeArrowheads="1" noChangeShapeType="1" noTextEdit="1"/>
+          </p:cNvSpPr>
+          <p:nvPr>
+            <p:extLst>
+              <p:ext uri="{386F3935-93C4-4BCD-93E2-E3B085C9AB24}">
+                <p16:designElem xmlns:p16="http://schemas.microsoft.com/office/powerpoint/2015/main" val="1"/>
+              </p:ext>
+            </p:extLst>
+          </p:nvPr>
+        </p:nvSpPr>
+        <p:spPr>
+          <a:xfrm>
+            <a:off x="245534" y="237744"/>
+            <a:ext cx="2926080" cy="6382512"/>
+          </a:xfrm>
+          <a:prstGeom prst="rect">
+            <a:avLst/>
+          </a:prstGeom>
+          <a:solidFill>
+            <a:schemeClr val="bg1">
+              <a:lumMod val="75000"/>
+              <a:lumOff val="25000"/>
+            </a:schemeClr>
+          </a:solidFill>
+          <a:ln>
+            <a:noFill/>
+          </a:ln>
+        </p:spPr>
+        <p:style>
+          <a:lnRef idx="2">
+            <a:schemeClr val="accent1">
+              <a:shade val="50000"/>
+            </a:schemeClr>
+          </a:lnRef>
+          <a:fillRef idx="1">
+            <a:schemeClr val="accent1"/>
+          </a:fillRef>
+          <a:effectRef idx="0">
+            <a:schemeClr val="accent1"/>
+          </a:effectRef>
+          <a:fontRef idx="minor">
+            <a:schemeClr val="lt1"/>
+          </a:fontRef>
+        </p:style>
+      </p:sp>
+      <p:sp>
+        <p:nvSpPr>
+          <p:cNvPr id="25" name="Rectangle 19">
+            <a:extLst>
+              <a:ext uri="{FF2B5EF4-FFF2-40B4-BE49-F238E27FC236}">
+                <a16:creationId xmlns:a16="http://schemas.microsoft.com/office/drawing/2014/main" id="{CB2511BB-FC4C-45F3-94EB-661D6806C942}"/>
+              </a:ext>
+              <a:ext uri="{C183D7F6-B498-43B3-948B-1728B52AA6E4}">
+                <adec:decorative xmlns:adec="http://schemas.microsoft.com/office/drawing/2017/decorative" val="1"/>
+              </a:ext>
+            </a:extLst>
+          </p:cNvPr>
+          <p:cNvSpPr>
+            <a:spLocks noGrp="1" noRot="1" noChangeAspect="1" noMove="1" noResize="1" noEditPoints="1" noAdjustHandles="1" noChangeArrowheads="1" noChangeShapeType="1" noTextEdit="1"/>
+          </p:cNvSpPr>
+          <p:nvPr>
+            <p:extLst>
+              <p:ext uri="{386F3935-93C4-4BCD-93E2-E3B085C9AB24}">
+                <p16:designElem xmlns:p16="http://schemas.microsoft.com/office/powerpoint/2015/main" val="1"/>
+              </p:ext>
+            </p:extLst>
+          </p:nvPr>
+        </p:nvSpPr>
+        <p:spPr>
+          <a:xfrm>
+            <a:off x="419100" y="413053"/>
+            <a:ext cx="2616201" cy="6064596"/>
+          </a:xfrm>
+          <a:prstGeom prst="rect">
+            <a:avLst/>
+          </a:prstGeom>
+          <a:noFill/>
+          <a:ln w="6350">
+            <a:solidFill>
+              <a:schemeClr val="tx1">
+                <a:lumMod val="75000"/>
+                <a:lumOff val="25000"/>
+              </a:schemeClr>
+            </a:solidFill>
+          </a:ln>
+        </p:spPr>
+        <p:style>
+          <a:lnRef idx="2">
+            <a:schemeClr val="accent1">
+              <a:shade val="50000"/>
+            </a:schemeClr>
+          </a:lnRef>
+          <a:fillRef idx="1">
+            <a:schemeClr val="accent1"/>
+          </a:fillRef>
+          <a:effectRef idx="0">
+            <a:schemeClr val="accent1"/>
+          </a:effectRef>
+          <a:fontRef idx="minor">
+            <a:schemeClr val="lt1"/>
+          </a:fontRef>
+        </p:style>
+        <p:txBody>
+          <a:bodyPr rtlCol="0" anchor="ctr"/>
+          <a:lstStyle/>
+          <a:p>
+            <a:pPr algn="ctr"/>
+            <a:endParaRPr lang="en-US"/>
+          </a:p>
+        </p:txBody>
+      </p:sp>
+      <p:sp>
+        <p:nvSpPr>
+          <p:cNvPr id="2" name="Title 1">
+            <a:extLst>
+              <a:ext uri="{FF2B5EF4-FFF2-40B4-BE49-F238E27FC236}">
+                <a16:creationId xmlns:a16="http://schemas.microsoft.com/office/drawing/2014/main" id="{2F16B74C-F326-443B-8AD9-9A8072D1A0E4}"/>
+              </a:ext>
+            </a:extLst>
+          </p:cNvPr>
+          <p:cNvSpPr>
+            <a:spLocks noGrp="1"/>
+          </p:cNvSpPr>
+          <p:nvPr>
+            <p:ph type="title"/>
+          </p:nvPr>
+        </p:nvSpPr>
+        <p:spPr>
+          <a:xfrm>
+            <a:off x="552334" y="553645"/>
+            <a:ext cx="2312480" cy="1005676"/>
+          </a:xfrm>
+        </p:spPr>
+        <p:txBody>
+          <a:bodyPr anchor="b">
+            <a:normAutofit/>
+          </a:bodyPr>
+          <a:lstStyle/>
+          <a:p>
+            <a:r>
+              <a:rPr lang="en-US" sz="3200" dirty="0"/>
+              <a:t>What we could do:</a:t>
+            </a:r>
+          </a:p>
+        </p:txBody>
+      </p:sp>
+      <p:sp>
+        <p:nvSpPr>
+          <p:cNvPr id="26" name="Content Placeholder 12">
+            <a:extLst>
+              <a:ext uri="{FF2B5EF4-FFF2-40B4-BE49-F238E27FC236}">
+                <a16:creationId xmlns:a16="http://schemas.microsoft.com/office/drawing/2014/main" id="{023F94BC-AA1E-429D-8FA2-324A50A8B160}"/>
+              </a:ext>
+            </a:extLst>
+          </p:cNvPr>
+          <p:cNvSpPr>
+            <a:spLocks noGrp="1"/>
+          </p:cNvSpPr>
+          <p:nvPr>
+            <p:ph idx="1"/>
+          </p:nvPr>
+        </p:nvSpPr>
+        <p:spPr>
+          <a:xfrm>
+            <a:off x="570960" y="1797065"/>
+            <a:ext cx="2312479" cy="4507290"/>
+          </a:xfrm>
+        </p:spPr>
+        <p:txBody>
+          <a:bodyPr>
+            <a:normAutofit/>
+          </a:bodyPr>
+          <a:lstStyle/>
+          <a:p>
+            <a:r>
+              <a:rPr lang="en-US" sz="1600" dirty="0">
+                <a:solidFill>
+                  <a:schemeClr val="tx1">
+                    <a:lumMod val="85000"/>
+                    <a:lumOff val="15000"/>
+                  </a:schemeClr>
+                </a:solidFill>
+              </a:rPr>
+              <a:t>We could create a class for every kind of Triangle and their modified versions</a:t>
+            </a:r>
+          </a:p>
+          <a:p>
+            <a:r>
+              <a:rPr lang="en-US" sz="1600" dirty="0">
+                <a:solidFill>
+                  <a:schemeClr val="tx1">
+                    <a:lumMod val="85000"/>
+                    <a:lumOff val="15000"/>
+                  </a:schemeClr>
+                </a:solidFill>
+              </a:rPr>
+              <a:t>But this is annoying, repetitive, and can get out of control and very confusing</a:t>
+            </a:r>
+          </a:p>
+          <a:p>
+            <a:r>
+              <a:rPr lang="en-US" sz="1600" dirty="0">
+                <a:solidFill>
+                  <a:schemeClr val="tx1">
+                    <a:lumMod val="85000"/>
+                    <a:lumOff val="15000"/>
+                  </a:schemeClr>
+                </a:solidFill>
+              </a:rPr>
+              <a:t>Polymorphism will not allow you to show the same object in different ways (with/without the median line in our case)</a:t>
+            </a:r>
+          </a:p>
+          <a:p>
+            <a:endParaRPr lang="en-US" sz="1600" dirty="0">
+              <a:solidFill>
+                <a:schemeClr val="tx1">
+                  <a:lumMod val="85000"/>
+                  <a:lumOff val="15000"/>
+                </a:schemeClr>
+              </a:solidFill>
+            </a:endParaRPr>
+          </a:p>
+        </p:txBody>
+      </p:sp>
+      <p:sp>
+        <p:nvSpPr>
+          <p:cNvPr id="22" name="Rectangle 21">
+            <a:extLst>
+              <a:ext uri="{FF2B5EF4-FFF2-40B4-BE49-F238E27FC236}">
+                <a16:creationId xmlns:a16="http://schemas.microsoft.com/office/drawing/2014/main" id="{68DC0EC7-60EA-4BD3-BC04-D547DE1B2891}"/>
+              </a:ext>
+              <a:ext uri="{C183D7F6-B498-43B3-948B-1728B52AA6E4}">
+                <adec:decorative xmlns:adec="http://schemas.microsoft.com/office/drawing/2017/decorative" val="1"/>
+              </a:ext>
+            </a:extLst>
+          </p:cNvPr>
+          <p:cNvSpPr>
+            <a:spLocks noGrp="1" noRot="1" noChangeAspect="1" noMove="1" noResize="1" noEditPoints="1" noAdjustHandles="1" noChangeArrowheads="1" noChangeShapeType="1" noTextEdit="1"/>
+          </p:cNvSpPr>
+          <p:nvPr>
+            <p:extLst>
+              <p:ext uri="{386F3935-93C4-4BCD-93E2-E3B085C9AB24}">
+                <p16:designElem xmlns:p16="http://schemas.microsoft.com/office/powerpoint/2015/main" val="1"/>
+              </p:ext>
+            </p:extLst>
+          </p:nvPr>
+        </p:nvSpPr>
+        <p:spPr>
+          <a:xfrm>
+            <a:off x="3569764" y="413053"/>
+            <a:ext cx="8212114" cy="6064596"/>
+          </a:xfrm>
+          <a:prstGeom prst="rect">
+            <a:avLst/>
+          </a:prstGeom>
+          <a:noFill/>
+          <a:ln w="6350" cap="sq" cmpd="sng" algn="ctr">
+            <a:solidFill>
+              <a:srgbClr val="404040"/>
+            </a:solidFill>
+            <a:prstDash val="solid"/>
+            <a:miter lim="800000"/>
+          </a:ln>
+          <a:effectLst/>
+        </p:spPr>
+      </p:sp>
+      <p:pic>
+        <p:nvPicPr>
+          <p:cNvPr id="9" name="Content Placeholder 8" descr="Graphical user interface, text, application, email&#10;&#10;Description automatically generated">
+            <a:extLst>
+              <a:ext uri="{FF2B5EF4-FFF2-40B4-BE49-F238E27FC236}">
+                <a16:creationId xmlns:a16="http://schemas.microsoft.com/office/drawing/2014/main" id="{63BD98C8-9201-44F6-86BD-C4691A9051F0}"/>
+              </a:ext>
+            </a:extLst>
+          </p:cNvPr>
+          <p:cNvPicPr>
+            <a:picLocks noChangeAspect="1"/>
+          </p:cNvPicPr>
+          <p:nvPr/>
+        </p:nvPicPr>
+        <p:blipFill>
+          <a:blip r:embed="rId2"/>
+          <a:stretch>
+            <a:fillRect/>
+          </a:stretch>
+        </p:blipFill>
+        <p:spPr>
+          <a:xfrm>
+            <a:off x="3805730" y="1275127"/>
+            <a:ext cx="7740182" cy="4087660"/>
+          </a:xfrm>
+          <a:prstGeom prst="rect">
+            <a:avLst/>
+          </a:prstGeom>
+        </p:spPr>
+      </p:pic>
+    </p:spTree>
+    <p:extLst>
+      <p:ext uri="{BB962C8B-B14F-4D97-AF65-F5344CB8AC3E}">
+        <p14:creationId xmlns:p14="http://schemas.microsoft.com/office/powerpoint/2010/main" val="4102655904"/>
+      </p:ext>
+    </p:extLst>
+  </p:cSld>
+  <p:clrMapOvr>
+    <a:overrideClrMapping bg1="dk1" tx1="lt1" bg2="dk2" tx2="lt2" accent1="accent1" accent2="accent2" accent3="accent3" accent4="accent4" accent5="accent5" accent6="accent6" hlink="hlink" folHlink="folHlink"/>
+  </p:clrMapOvr>
+</p:sld>
+</file>
+
+<file path=ppt/slides/slide4.xml><?xml version="1.0" encoding="utf-8"?>
+<p:sld xmlns:a="http://schemas.openxmlformats.org/drawingml/2006/main" xmlns:r="http://schemas.openxmlformats.org/officeDocument/2006/relationships" xmlns:p="http://schemas.openxmlformats.org/presentationml/2006/main">
+  <p:cSld>
+    <p:bg>
+      <p:bgPr>
+        <a:solidFill>
+          <a:schemeClr val="bg1"/>
+        </a:solidFill>
+        <a:effectLst/>
+      </p:bgPr>
+    </p:bg>
+    <p:spTree>
+      <p:nvGrpSpPr>
+        <p:cNvPr id="1" name=""/>
+        <p:cNvGrpSpPr/>
+        <p:nvPr/>
+      </p:nvGrpSpPr>
+      <p:grpSpPr>
+        <a:xfrm>
+          <a:off x="0" y="0"/>
+          <a:ext cx="0" cy="0"/>
+          <a:chOff x="0" y="0"/>
+          <a:chExt cx="0" cy="0"/>
+        </a:xfrm>
+      </p:grpSpPr>
+      <p:sp>
+        <p:nvSpPr>
+          <p:cNvPr id="23" name="Rectangle 15">
+            <a:extLst>
+              <a:ext uri="{FF2B5EF4-FFF2-40B4-BE49-F238E27FC236}">
+                <a16:creationId xmlns:a16="http://schemas.microsoft.com/office/drawing/2014/main" id="{282E2A95-1A08-4118-83C6-B1CA5648E075}"/>
+              </a:ext>
+              <a:ext uri="{C183D7F6-B498-43B3-948B-1728B52AA6E4}">
+                <adec:decorative xmlns:adec="http://schemas.microsoft.com/office/drawing/2017/decorative" val="1"/>
+              </a:ext>
+            </a:extLst>
+          </p:cNvPr>
+          <p:cNvSpPr>
+            <a:spLocks noGrp="1" noRot="1" noChangeAspect="1" noMove="1" noResize="1" noEditPoints="1" noAdjustHandles="1" noChangeArrowheads="1" noChangeShapeType="1" noTextEdit="1"/>
+          </p:cNvSpPr>
+          <p:nvPr>
+            <p:extLst>
+              <p:ext uri="{386F3935-93C4-4BCD-93E2-E3B085C9AB24}">
+                <p16:designElem xmlns:p16="http://schemas.microsoft.com/office/powerpoint/2015/main" val="1"/>
+              </p:ext>
+            </p:extLst>
+          </p:nvPr>
+        </p:nvSpPr>
+        <p:spPr>
+          <a:xfrm>
+            <a:off x="0" y="0"/>
+            <a:ext cx="12192000" cy="6858000"/>
+          </a:xfrm>
+          <a:prstGeom prst="rect">
+            <a:avLst/>
+          </a:prstGeom>
+          <a:ln>
+            <a:noFill/>
+          </a:ln>
+        </p:spPr>
+        <p:style>
+          <a:lnRef idx="2">
+            <a:schemeClr val="accent1">
+              <a:shade val="50000"/>
+            </a:schemeClr>
+          </a:lnRef>
+          <a:fillRef idx="1001">
+            <a:schemeClr val="lt1"/>
+          </a:fillRef>
+          <a:effectRef idx="0">
+            <a:schemeClr val="accent1"/>
+          </a:effectRef>
+          <a:fontRef idx="minor">
+            <a:schemeClr val="lt1"/>
+          </a:fontRef>
+        </p:style>
+        <p:txBody>
+          <a:bodyPr rtlCol="0" anchor="ctr"/>
+          <a:lstStyle/>
+          <a:p>
+            <a:pPr algn="ctr"/>
+            <a:endParaRPr lang="en-US"/>
+          </a:p>
+        </p:txBody>
+      </p:sp>
+      <p:sp>
+        <p:nvSpPr>
+          <p:cNvPr id="24" name="Rectangle 17">
+            <a:extLst>
+              <a:ext uri="{FF2B5EF4-FFF2-40B4-BE49-F238E27FC236}">
+                <a16:creationId xmlns:a16="http://schemas.microsoft.com/office/drawing/2014/main" id="{2FFEFC7E-85EE-4AC9-A351-FBEB13A1D622}"/>
+              </a:ext>
+              <a:ext uri="{C183D7F6-B498-43B3-948B-1728B52AA6E4}">
+                <adec:decorative xmlns:adec="http://schemas.microsoft.com/office/drawing/2017/decorative" val="1"/>
+              </a:ext>
+            </a:extLst>
+          </p:cNvPr>
+          <p:cNvSpPr>
+            <a:spLocks noGrp="1" noRot="1" noChangeAspect="1" noMove="1" noResize="1" noEditPoints="1" noAdjustHandles="1" noChangeArrowheads="1" noChangeShapeType="1" noTextEdit="1"/>
+          </p:cNvSpPr>
+          <p:nvPr>
+            <p:extLst>
+              <p:ext uri="{386F3935-93C4-4BCD-93E2-E3B085C9AB24}">
+                <p16:designElem xmlns:p16="http://schemas.microsoft.com/office/powerpoint/2015/main" val="1"/>
+              </p:ext>
+            </p:extLst>
+          </p:nvPr>
+        </p:nvSpPr>
+        <p:spPr>
+          <a:xfrm>
+            <a:off x="245534" y="237744"/>
+            <a:ext cx="2926080" cy="6382512"/>
+          </a:xfrm>
+          <a:prstGeom prst="rect">
+            <a:avLst/>
+          </a:prstGeom>
+          <a:solidFill>
+            <a:schemeClr val="bg1">
+              <a:lumMod val="75000"/>
+              <a:lumOff val="25000"/>
+            </a:schemeClr>
+          </a:solidFill>
+          <a:ln>
+            <a:noFill/>
+          </a:ln>
+        </p:spPr>
+        <p:style>
+          <a:lnRef idx="2">
+            <a:schemeClr val="accent1">
+              <a:shade val="50000"/>
+            </a:schemeClr>
+          </a:lnRef>
+          <a:fillRef idx="1">
+            <a:schemeClr val="accent1"/>
+          </a:fillRef>
+          <a:effectRef idx="0">
+            <a:schemeClr val="accent1"/>
+          </a:effectRef>
+          <a:fontRef idx="minor">
+            <a:schemeClr val="lt1"/>
+          </a:fontRef>
+        </p:style>
+      </p:sp>
+      <p:sp>
+        <p:nvSpPr>
+          <p:cNvPr id="25" name="Rectangle 19">
+            <a:extLst>
+              <a:ext uri="{FF2B5EF4-FFF2-40B4-BE49-F238E27FC236}">
+                <a16:creationId xmlns:a16="http://schemas.microsoft.com/office/drawing/2014/main" id="{CB2511BB-FC4C-45F3-94EB-661D6806C942}"/>
+              </a:ext>
+              <a:ext uri="{C183D7F6-B498-43B3-948B-1728B52AA6E4}">
+                <adec:decorative xmlns:adec="http://schemas.microsoft.com/office/drawing/2017/decorative" val="1"/>
+              </a:ext>
+            </a:extLst>
+          </p:cNvPr>
+          <p:cNvSpPr>
+            <a:spLocks noGrp="1" noRot="1" noChangeAspect="1" noMove="1" noResize="1" noEditPoints="1" noAdjustHandles="1" noChangeArrowheads="1" noChangeShapeType="1" noTextEdit="1"/>
+          </p:cNvSpPr>
+          <p:nvPr>
+            <p:extLst>
+              <p:ext uri="{386F3935-93C4-4BCD-93E2-E3B085C9AB24}">
+                <p16:designElem xmlns:p16="http://schemas.microsoft.com/office/powerpoint/2015/main" val="1"/>
+              </p:ext>
+            </p:extLst>
+          </p:nvPr>
+        </p:nvSpPr>
+        <p:spPr>
+          <a:xfrm>
+            <a:off x="419100" y="413053"/>
+            <a:ext cx="2616201" cy="6064596"/>
+          </a:xfrm>
+          <a:prstGeom prst="rect">
+            <a:avLst/>
+          </a:prstGeom>
+          <a:noFill/>
+          <a:ln w="6350">
+            <a:solidFill>
+              <a:schemeClr val="tx1">
+                <a:lumMod val="75000"/>
+                <a:lumOff val="25000"/>
+              </a:schemeClr>
+            </a:solidFill>
+          </a:ln>
+        </p:spPr>
+        <p:style>
+          <a:lnRef idx="2">
+            <a:schemeClr val="accent1">
+              <a:shade val="50000"/>
+            </a:schemeClr>
+          </a:lnRef>
+          <a:fillRef idx="1">
+            <a:schemeClr val="accent1"/>
+          </a:fillRef>
+          <a:effectRef idx="0">
+            <a:schemeClr val="accent1"/>
+          </a:effectRef>
+          <a:fontRef idx="minor">
+            <a:schemeClr val="lt1"/>
+          </a:fontRef>
+        </p:style>
+        <p:txBody>
+          <a:bodyPr rtlCol="0" anchor="ctr"/>
+          <a:lstStyle/>
+          <a:p>
+            <a:pPr algn="ctr"/>
+            <a:endParaRPr lang="en-US"/>
+          </a:p>
+        </p:txBody>
+      </p:sp>
+      <p:sp>
+        <p:nvSpPr>
+          <p:cNvPr id="2" name="Title 1">
+            <a:extLst>
+              <a:ext uri="{FF2B5EF4-FFF2-40B4-BE49-F238E27FC236}">
+                <a16:creationId xmlns:a16="http://schemas.microsoft.com/office/drawing/2014/main" id="{2F16B74C-F326-443B-8AD9-9A8072D1A0E4}"/>
+              </a:ext>
+            </a:extLst>
+          </p:cNvPr>
+          <p:cNvSpPr>
+            <a:spLocks noGrp="1"/>
+          </p:cNvSpPr>
+          <p:nvPr>
+            <p:ph type="title"/>
+          </p:nvPr>
+        </p:nvSpPr>
+        <p:spPr>
+          <a:xfrm>
+            <a:off x="552334" y="553645"/>
+            <a:ext cx="2312480" cy="1243420"/>
+          </a:xfrm>
+        </p:spPr>
+        <p:txBody>
+          <a:bodyPr anchor="b">
+            <a:normAutofit fontScale="90000"/>
+          </a:bodyPr>
+          <a:lstStyle/>
+          <a:p>
+            <a:r>
+              <a:rPr lang="en-US" sz="3200" dirty="0"/>
+              <a:t>We should use a decorator!</a:t>
+            </a:r>
+          </a:p>
+        </p:txBody>
+      </p:sp>
+      <p:sp>
+        <p:nvSpPr>
+          <p:cNvPr id="26" name="Content Placeholder 12">
+            <a:extLst>
+              <a:ext uri="{FF2B5EF4-FFF2-40B4-BE49-F238E27FC236}">
+                <a16:creationId xmlns:a16="http://schemas.microsoft.com/office/drawing/2014/main" id="{023F94BC-AA1E-429D-8FA2-324A50A8B160}"/>
+              </a:ext>
+            </a:extLst>
+          </p:cNvPr>
+          <p:cNvSpPr>
+            <a:spLocks noGrp="1"/>
+          </p:cNvSpPr>
+          <p:nvPr>
+            <p:ph idx="1"/>
+          </p:nvPr>
+        </p:nvSpPr>
+        <p:spPr>
+          <a:xfrm>
+            <a:off x="570960" y="1797065"/>
+            <a:ext cx="2312479" cy="4507290"/>
+          </a:xfrm>
+        </p:spPr>
+        <p:txBody>
+          <a:bodyPr>
+            <a:normAutofit/>
+          </a:bodyPr>
+          <a:lstStyle/>
+          <a:p>
+            <a:r>
+              <a:rPr lang="en-US" sz="1600" dirty="0">
+                <a:solidFill>
+                  <a:schemeClr val="tx1">
+                    <a:lumMod val="85000"/>
+                    <a:lumOff val="15000"/>
+                  </a:schemeClr>
+                </a:solidFill>
+              </a:rPr>
+              <a:t>A decorator design works as a wrapper class</a:t>
+            </a:r>
+          </a:p>
+          <a:p>
+            <a:pPr lvl="1"/>
+            <a:r>
+              <a:rPr lang="en-US" sz="1400" dirty="0">
+                <a:solidFill>
+                  <a:schemeClr val="tx1">
+                    <a:lumMod val="85000"/>
+                    <a:lumOff val="15000"/>
+                  </a:schemeClr>
+                </a:solidFill>
+              </a:rPr>
+              <a:t>TriangleWithABC  HAS A Triangle relationship</a:t>
+            </a:r>
+          </a:p>
+          <a:p>
+            <a:r>
+              <a:rPr lang="en-US" sz="1600" dirty="0">
+                <a:solidFill>
+                  <a:schemeClr val="tx1">
+                    <a:lumMod val="85000"/>
+                    <a:lumOff val="15000"/>
+                  </a:schemeClr>
+                </a:solidFill>
+              </a:rPr>
+              <a:t>It is a way to give an object/class certain methods or attributes</a:t>
+            </a:r>
+          </a:p>
+          <a:p>
+            <a:r>
+              <a:rPr lang="en-US" sz="1600" dirty="0">
+                <a:solidFill>
+                  <a:schemeClr val="tx1">
+                    <a:lumMod val="85000"/>
+                    <a:lumOff val="15000"/>
+                  </a:schemeClr>
+                </a:solidFill>
+              </a:rPr>
+              <a:t>In our case, we can instead make a TriangleWithABC which has a private method to draw our median line</a:t>
+            </a:r>
+          </a:p>
+          <a:p>
+            <a:endParaRPr lang="en-US" sz="1600" dirty="0">
+              <a:solidFill>
+                <a:schemeClr val="tx1">
+                  <a:lumMod val="85000"/>
+                  <a:lumOff val="15000"/>
+                </a:schemeClr>
+              </a:solidFill>
+            </a:endParaRPr>
+          </a:p>
+        </p:txBody>
+      </p:sp>
+      <p:sp>
+        <p:nvSpPr>
+          <p:cNvPr id="22" name="Rectangle 21">
+            <a:extLst>
+              <a:ext uri="{FF2B5EF4-FFF2-40B4-BE49-F238E27FC236}">
+                <a16:creationId xmlns:a16="http://schemas.microsoft.com/office/drawing/2014/main" id="{68DC0EC7-60EA-4BD3-BC04-D547DE1B2891}"/>
+              </a:ext>
+              <a:ext uri="{C183D7F6-B498-43B3-948B-1728B52AA6E4}">
+                <adec:decorative xmlns:adec="http://schemas.microsoft.com/office/drawing/2017/decorative" val="1"/>
+              </a:ext>
+            </a:extLst>
+          </p:cNvPr>
+          <p:cNvSpPr>
+            <a:spLocks noGrp="1" noRot="1" noChangeAspect="1" noMove="1" noResize="1" noEditPoints="1" noAdjustHandles="1" noChangeArrowheads="1" noChangeShapeType="1" noTextEdit="1"/>
+          </p:cNvSpPr>
+          <p:nvPr>
+            <p:extLst>
+              <p:ext uri="{386F3935-93C4-4BCD-93E2-E3B085C9AB24}">
+                <p16:designElem xmlns:p16="http://schemas.microsoft.com/office/powerpoint/2015/main" val="1"/>
+              </p:ext>
+            </p:extLst>
+          </p:nvPr>
+        </p:nvSpPr>
+        <p:spPr>
+          <a:xfrm>
+            <a:off x="3569764" y="413053"/>
+            <a:ext cx="8212114" cy="6064596"/>
+          </a:xfrm>
+          <a:prstGeom prst="rect">
+            <a:avLst/>
+          </a:prstGeom>
+          <a:noFill/>
+          <a:ln w="6350" cap="sq" cmpd="sng" algn="ctr">
+            <a:solidFill>
+              <a:srgbClr val="404040"/>
+            </a:solidFill>
+            <a:prstDash val="solid"/>
+            <a:miter lim="800000"/>
+          </a:ln>
+          <a:effectLst/>
+        </p:spPr>
+      </p:sp>
+      <p:pic>
+        <p:nvPicPr>
+          <p:cNvPr id="3" name="Picture 2">
+            <a:extLst>
+              <a:ext uri="{FF2B5EF4-FFF2-40B4-BE49-F238E27FC236}">
+                <a16:creationId xmlns:a16="http://schemas.microsoft.com/office/drawing/2014/main" id="{7BC442AD-721E-43A9-B465-66B4F2E2C491}"/>
+              </a:ext>
+            </a:extLst>
+          </p:cNvPr>
+          <p:cNvPicPr>
+            <a:picLocks noChangeAspect="1"/>
+          </p:cNvPicPr>
+          <p:nvPr/>
+        </p:nvPicPr>
+        <p:blipFill>
+          <a:blip r:embed="rId2"/>
+          <a:stretch>
+            <a:fillRect/>
+          </a:stretch>
+        </p:blipFill>
+        <p:spPr>
+          <a:xfrm>
+            <a:off x="3909707" y="747308"/>
+            <a:ext cx="6095944" cy="4781133"/>
+          </a:xfrm>
+          <a:prstGeom prst="rect">
+            <a:avLst/>
+          </a:prstGeom>
+        </p:spPr>
+      </p:pic>
+      <p:sp>
+        <p:nvSpPr>
+          <p:cNvPr id="4" name="TextBox 3">
+            <a:extLst>
+              <a:ext uri="{FF2B5EF4-FFF2-40B4-BE49-F238E27FC236}">
+                <a16:creationId xmlns:a16="http://schemas.microsoft.com/office/drawing/2014/main" id="{E2B3CF92-8684-4FC1-85A0-A065C5CD0CE2}"/>
+              </a:ext>
+            </a:extLst>
+          </p:cNvPr>
+          <p:cNvSpPr txBox="1"/>
+          <p:nvPr/>
+        </p:nvSpPr>
+        <p:spPr>
+          <a:xfrm>
+            <a:off x="8786451" y="2111718"/>
+            <a:ext cx="2438400" cy="1938992"/>
+          </a:xfrm>
+          <a:prstGeom prst="rect">
+            <a:avLst/>
+          </a:prstGeom>
+          <a:solidFill>
+            <a:schemeClr val="accent1">
+              <a:lumMod val="75000"/>
+            </a:schemeClr>
+          </a:solidFill>
+        </p:spPr>
+        <p:txBody>
+          <a:bodyPr wrap="square" rtlCol="0">
+            <a:spAutoFit/>
+          </a:bodyPr>
+          <a:lstStyle/>
+          <a:p>
+            <a:r>
+              <a:rPr lang="en-US" sz="2000" u="sng" dirty="0">
+                <a:solidFill>
+                  <a:schemeClr val="bg1"/>
+                </a:solidFill>
+              </a:rPr>
+              <a:t>Notice: </a:t>
+            </a:r>
+          </a:p>
+          <a:p>
+            <a:r>
+              <a:rPr lang="en-US" sz="2000" dirty="0">
+                <a:solidFill>
+                  <a:schemeClr val="bg1"/>
+                </a:solidFill>
+              </a:rPr>
+              <a:t>A decorator both extends the base class and has a field of the base type class</a:t>
+            </a:r>
+          </a:p>
+        </p:txBody>
+      </p:sp>
+    </p:spTree>
+    <p:extLst>
+      <p:ext uri="{BB962C8B-B14F-4D97-AF65-F5344CB8AC3E}">
+        <p14:creationId xmlns:p14="http://schemas.microsoft.com/office/powerpoint/2010/main" val="2127302114"/>
+      </p:ext>
+    </p:extLst>
+  </p:cSld>
+  <p:clrMapOvr>
+    <a:overrideClrMapping bg1="dk1" tx1="lt1" bg2="dk2" tx2="lt2" accent1="accent1" accent2="accent2" accent3="accent3" accent4="accent4" accent5="accent5" accent6="accent6" hlink="hlink" folHlink="folHlink"/>
+  </p:clrMapOvr>
+</p:sld>
+</file>
+
+<file path=ppt/slides/slide5.xml><?xml version="1.0" encoding="utf-8"?>
+<p:sld xmlns:a="http://schemas.openxmlformats.org/drawingml/2006/main" xmlns:r="http://schemas.openxmlformats.org/officeDocument/2006/relationships" xmlns:p="http://schemas.openxmlformats.org/presentationml/2006/main">
+  <p:cSld>
+    <p:spTree>
+      <p:nvGrpSpPr>
+        <p:cNvPr id="1" name=""/>
+        <p:cNvGrpSpPr/>
+        <p:nvPr/>
+      </p:nvGrpSpPr>
+      <p:grpSpPr>
+        <a:xfrm>
+          <a:off x="0" y="0"/>
+          <a:ext cx="0" cy="0"/>
+          <a:chOff x="0" y="0"/>
+          <a:chExt cx="0" cy="0"/>
+        </a:xfrm>
+      </p:grpSpPr>
+      <p:sp>
+        <p:nvSpPr>
+          <p:cNvPr id="2" name="Title 1">
+            <a:extLst>
+              <a:ext uri="{FF2B5EF4-FFF2-40B4-BE49-F238E27FC236}">
+                <a16:creationId xmlns:a16="http://schemas.microsoft.com/office/drawing/2014/main" id="{E896D4EA-FA1F-4879-BC03-42152442FD03}"/>
+              </a:ext>
+            </a:extLst>
+          </p:cNvPr>
+          <p:cNvSpPr>
+            <a:spLocks noGrp="1"/>
+          </p:cNvSpPr>
+          <p:nvPr>
+            <p:ph type="title"/>
+          </p:nvPr>
+        </p:nvSpPr>
+        <p:spPr/>
+        <p:txBody>
+          <a:bodyPr/>
+          <a:lstStyle/>
+          <a:p>
+            <a:r>
+              <a:rPr lang="en-US" dirty="0"/>
+              <a:t>Why a Decorator?</a:t>
+            </a:r>
+          </a:p>
+        </p:txBody>
+      </p:sp>
+      <p:sp>
+        <p:nvSpPr>
+          <p:cNvPr id="3" name="Content Placeholder 2">
+            <a:extLst>
+              <a:ext uri="{FF2B5EF4-FFF2-40B4-BE49-F238E27FC236}">
+                <a16:creationId xmlns:a16="http://schemas.microsoft.com/office/drawing/2014/main" id="{5CDA6B7E-4EEC-4BD4-8FA8-2B664A6D166C}"/>
+              </a:ext>
+            </a:extLst>
+          </p:cNvPr>
+          <p:cNvSpPr>
+            <a:spLocks noGrp="1"/>
+          </p:cNvSpPr>
+          <p:nvPr>
+            <p:ph idx="1"/>
+          </p:nvPr>
+        </p:nvSpPr>
+        <p:spPr>
+          <a:xfrm>
+            <a:off x="1066800" y="1910830"/>
+            <a:ext cx="10058400" cy="3849624"/>
+          </a:xfrm>
+        </p:spPr>
+        <p:txBody>
+          <a:bodyPr>
+            <a:normAutofit/>
+          </a:bodyPr>
+          <a:lstStyle/>
+          <a:p>
+            <a:r>
+              <a:rPr lang="en-US" sz="2200" dirty="0"/>
+              <a:t>A decorator can help solve these two problems:</a:t>
+            </a:r>
+          </a:p>
+          <a:p>
+            <a:pPr lvl="1"/>
+            <a:r>
+              <a:rPr lang="en-US" sz="2200" dirty="0"/>
+              <a:t>The lack of multiple inheritance for the same functionality to classes on diverging inheritance branches</a:t>
+            </a:r>
+          </a:p>
+          <a:p>
+            <a:pPr lvl="1"/>
+            <a:r>
+              <a:rPr lang="en-US" sz="2200" dirty="0"/>
+              <a:t>The difficulty of changing or extending the behavior of an individual object at run time</a:t>
+            </a:r>
+          </a:p>
+          <a:p>
+            <a:r>
+              <a:rPr lang="en-US" sz="2200" dirty="0"/>
+              <a:t>A decorator adds a behavior or feature to the “decorated” class</a:t>
+            </a:r>
+          </a:p>
+          <a:p>
+            <a:r>
+              <a:rPr lang="en-US" sz="2200" dirty="0"/>
+              <a:t>The decorator’s constructor initializes the embedded field to an object to be decorated</a:t>
+            </a:r>
+          </a:p>
+        </p:txBody>
+      </p:sp>
+    </p:spTree>
+    <p:extLst>
+      <p:ext uri="{BB962C8B-B14F-4D97-AF65-F5344CB8AC3E}">
+        <p14:creationId xmlns:p14="http://schemas.microsoft.com/office/powerpoint/2010/main" val="2513457109"/>
+      </p:ext>
+    </p:extLst>
+  </p:cSld>
+  <p:clrMapOvr>
+    <a:masterClrMapping/>
+  </p:clrMapOvr>
+</p:sld>
+</file>
+
+<file path=ppt/slides/slide6.xml><?xml version="1.0" encoding="utf-8"?>
+<p:sld xmlns:a="http://schemas.openxmlformats.org/drawingml/2006/main" xmlns:r="http://schemas.openxmlformats.org/officeDocument/2006/relationships" xmlns:p="http://schemas.openxmlformats.org/presentationml/2006/main">
+  <p:cSld>
+    <p:spTree>
+      <p:nvGrpSpPr>
+        <p:cNvPr id="1" name=""/>
+        <p:cNvGrpSpPr/>
+        <p:nvPr/>
+      </p:nvGrpSpPr>
+      <p:grpSpPr>
+        <a:xfrm>
+          <a:off x="0" y="0"/>
+          <a:ext cx="0" cy="0"/>
+          <a:chOff x="0" y="0"/>
+          <a:chExt cx="0" cy="0"/>
+        </a:xfrm>
+      </p:grpSpPr>
+      <p:pic>
+        <p:nvPicPr>
+          <p:cNvPr id="2" name="Picture 1">
+            <a:extLst>
+              <a:ext uri="{FF2B5EF4-FFF2-40B4-BE49-F238E27FC236}">
+                <a16:creationId xmlns:a16="http://schemas.microsoft.com/office/drawing/2014/main" id="{D081E658-6214-4AFD-9C53-9F76010C4418}"/>
+              </a:ext>
+            </a:extLst>
+          </p:cNvPr>
+          <p:cNvPicPr>
+            <a:picLocks noChangeAspect="1"/>
+          </p:cNvPicPr>
+          <p:nvPr/>
+        </p:nvPicPr>
+        <p:blipFill>
+          <a:blip r:embed="rId2"/>
+          <a:stretch>
+            <a:fillRect/>
+          </a:stretch>
+        </p:blipFill>
+        <p:spPr>
+          <a:xfrm>
+            <a:off x="4430699" y="1756288"/>
+            <a:ext cx="7128060" cy="3939674"/>
+          </a:xfrm>
+          <a:prstGeom prst="rect">
+            <a:avLst/>
+          </a:prstGeom>
+        </p:spPr>
+      </p:pic>
+      <p:pic>
+        <p:nvPicPr>
+          <p:cNvPr id="3" name="Picture 2">
+            <a:extLst>
+              <a:ext uri="{FF2B5EF4-FFF2-40B4-BE49-F238E27FC236}">
+                <a16:creationId xmlns:a16="http://schemas.microsoft.com/office/drawing/2014/main" id="{B764772D-947C-49CD-9D7E-2F911CFE3E3F}"/>
+              </a:ext>
+            </a:extLst>
+          </p:cNvPr>
+          <p:cNvPicPr>
+            <a:picLocks noChangeAspect="1"/>
+          </p:cNvPicPr>
+          <p:nvPr/>
+        </p:nvPicPr>
+        <p:blipFill>
+          <a:blip r:embed="rId3"/>
+          <a:stretch>
+            <a:fillRect/>
+          </a:stretch>
+        </p:blipFill>
+        <p:spPr>
+          <a:xfrm>
+            <a:off x="707783" y="4324362"/>
+            <a:ext cx="3722916" cy="1371600"/>
+          </a:xfrm>
+          <a:prstGeom prst="rect">
+            <a:avLst/>
+          </a:prstGeom>
+        </p:spPr>
+      </p:pic>
+      <p:sp>
+        <p:nvSpPr>
+          <p:cNvPr id="4" name="Title 3">
+            <a:extLst>
+              <a:ext uri="{FF2B5EF4-FFF2-40B4-BE49-F238E27FC236}">
+                <a16:creationId xmlns:a16="http://schemas.microsoft.com/office/drawing/2014/main" id="{DAB0CDD8-8F6E-4571-9A2C-C40BF2F594E1}"/>
+              </a:ext>
+            </a:extLst>
+          </p:cNvPr>
+          <p:cNvSpPr>
+            <a:spLocks noGrp="1"/>
+          </p:cNvSpPr>
+          <p:nvPr>
+            <p:ph type="title"/>
+          </p:nvPr>
+        </p:nvSpPr>
+        <p:spPr/>
+        <p:txBody>
+          <a:bodyPr/>
+          <a:lstStyle/>
+          <a:p>
+            <a:r>
+              <a:rPr lang="en-US" dirty="0"/>
+              <a:t>UML Diagram</a:t>
+            </a:r>
+          </a:p>
+        </p:txBody>
+      </p:sp>
+    </p:spTree>
+    <p:extLst>
+      <p:ext uri="{BB962C8B-B14F-4D97-AF65-F5344CB8AC3E}">
+        <p14:creationId xmlns:p14="http://schemas.microsoft.com/office/powerpoint/2010/main" val="2675571107"/>
+      </p:ext>
+    </p:extLst>
+  </p:cSld>
+  <p:clrMapOvr>
+    <a:masterClrMapping/>
+  </p:clrMapOvr>
+</p:sld>
+</file>
+
+<file path=ppt/slides/slide7.xml><?xml version="1.0" encoding="utf-8"?>
+<p:sld xmlns:a="http://schemas.openxmlformats.org/drawingml/2006/main" xmlns:r="http://schemas.openxmlformats.org/officeDocument/2006/relationships" xmlns:p="http://schemas.openxmlformats.org/presentationml/2006/main">
+  <p:cSld>
+    <p:spTree>
+      <p:nvGrpSpPr>
+        <p:cNvPr id="1" name=""/>
+        <p:cNvGrpSpPr/>
+        <p:nvPr/>
+      </p:nvGrpSpPr>
+      <p:grpSpPr>
+        <a:xfrm>
+          <a:off x="0" y="0"/>
+          <a:ext cx="0" cy="0"/>
+          <a:chOff x="0" y="0"/>
+          <a:chExt cx="0" cy="0"/>
+        </a:xfrm>
+      </p:grpSpPr>
+      <p:sp>
+        <p:nvSpPr>
+          <p:cNvPr id="2" name="Title 1">
+            <a:extLst>
+              <a:ext uri="{FF2B5EF4-FFF2-40B4-BE49-F238E27FC236}">
+                <a16:creationId xmlns:a16="http://schemas.microsoft.com/office/drawing/2014/main" id="{3A4E1657-208D-4447-AF2E-55888C163ABA}"/>
+              </a:ext>
+            </a:extLst>
+          </p:cNvPr>
+          <p:cNvSpPr>
+            <a:spLocks noGrp="1"/>
+          </p:cNvSpPr>
+          <p:nvPr>
+            <p:ph type="title"/>
+          </p:nvPr>
+        </p:nvSpPr>
+        <p:spPr/>
+        <p:txBody>
+          <a:bodyPr/>
+          <a:lstStyle/>
+          <a:p>
+            <a:r>
+              <a:rPr lang="en-US" dirty="0"/>
+              <a:t>What can we do with a decorator?</a:t>
+            </a:r>
+          </a:p>
+        </p:txBody>
+      </p:sp>
+      <p:pic>
+        <p:nvPicPr>
+          <p:cNvPr id="5" name="Picture 4">
+            <a:extLst>
+              <a:ext uri="{FF2B5EF4-FFF2-40B4-BE49-F238E27FC236}">
+                <a16:creationId xmlns:a16="http://schemas.microsoft.com/office/drawing/2014/main" id="{7A4A668B-7827-4E6A-9FB8-01E8DB3ACD34}"/>
+              </a:ext>
+            </a:extLst>
+          </p:cNvPr>
+          <p:cNvPicPr>
+            <a:picLocks noChangeAspect="1"/>
+          </p:cNvPicPr>
+          <p:nvPr/>
+        </p:nvPicPr>
+        <p:blipFill>
+          <a:blip r:embed="rId2"/>
+          <a:stretch>
+            <a:fillRect/>
+          </a:stretch>
+        </p:blipFill>
+        <p:spPr>
+          <a:xfrm>
+            <a:off x="1066800" y="2321961"/>
+            <a:ext cx="7018616" cy="1079787"/>
+          </a:xfrm>
+          <a:prstGeom prst="rect">
+            <a:avLst/>
+          </a:prstGeom>
+        </p:spPr>
+      </p:pic>
+      <p:sp>
+        <p:nvSpPr>
+          <p:cNvPr id="6" name="TextBox 5">
+            <a:extLst>
+              <a:ext uri="{FF2B5EF4-FFF2-40B4-BE49-F238E27FC236}">
+                <a16:creationId xmlns:a16="http://schemas.microsoft.com/office/drawing/2014/main" id="{EF4436FD-0184-4778-B0E1-1F196953C286}"/>
+              </a:ext>
+            </a:extLst>
+          </p:cNvPr>
+          <p:cNvSpPr txBox="1"/>
+          <p:nvPr/>
+        </p:nvSpPr>
+        <p:spPr>
+          <a:xfrm>
+            <a:off x="1066800" y="1852772"/>
+            <a:ext cx="9599103" cy="369332"/>
+          </a:xfrm>
+          <a:prstGeom prst="rect">
+            <a:avLst/>
+          </a:prstGeom>
+          <a:noFill/>
+        </p:spPr>
+        <p:txBody>
+          <a:bodyPr wrap="none" rtlCol="0">
+            <a:spAutoFit/>
+          </a:bodyPr>
+          <a:lstStyle/>
+          <a:p>
+            <a:r>
+              <a:rPr lang="en-US" dirty="0"/>
+              <a:t>We can now create different triangles and choose whether we want them to be “decorated” or not</a:t>
+            </a:r>
+          </a:p>
+        </p:txBody>
+      </p:sp>
+      <p:sp>
+        <p:nvSpPr>
+          <p:cNvPr id="7" name="TextBox 6">
+            <a:extLst>
+              <a:ext uri="{FF2B5EF4-FFF2-40B4-BE49-F238E27FC236}">
+                <a16:creationId xmlns:a16="http://schemas.microsoft.com/office/drawing/2014/main" id="{B1ECDCC2-FE31-4620-916C-7CBC0EC0E458}"/>
+              </a:ext>
+            </a:extLst>
+          </p:cNvPr>
+          <p:cNvSpPr txBox="1"/>
+          <p:nvPr/>
+        </p:nvSpPr>
+        <p:spPr>
+          <a:xfrm>
+            <a:off x="1066800" y="3609658"/>
+            <a:ext cx="9389109" cy="646331"/>
+          </a:xfrm>
+          <a:prstGeom prst="rect">
+            <a:avLst/>
+          </a:prstGeom>
+          <a:noFill/>
+        </p:spPr>
+        <p:txBody>
+          <a:bodyPr wrap="none" rtlCol="0">
+            <a:spAutoFit/>
+          </a:bodyPr>
+          <a:lstStyle/>
+          <a:p>
+            <a:r>
+              <a:rPr lang="en-US" dirty="0"/>
+              <a:t>We can also pass a decorated Triangle through another decorator since our decorated Triangle</a:t>
+            </a:r>
+          </a:p>
+          <a:p>
+            <a:r>
+              <a:rPr lang="en-US" dirty="0"/>
+              <a:t>is still a Triangle</a:t>
+            </a:r>
+          </a:p>
+        </p:txBody>
+      </p:sp>
+      <p:pic>
+        <p:nvPicPr>
+          <p:cNvPr id="8" name="Picture 7">
+            <a:extLst>
+              <a:ext uri="{FF2B5EF4-FFF2-40B4-BE49-F238E27FC236}">
+                <a16:creationId xmlns:a16="http://schemas.microsoft.com/office/drawing/2014/main" id="{13C9DA66-83DC-468D-BCE7-B46615D112E7}"/>
+              </a:ext>
+            </a:extLst>
+          </p:cNvPr>
+          <p:cNvPicPr>
+            <a:picLocks noChangeAspect="1"/>
+          </p:cNvPicPr>
+          <p:nvPr/>
+        </p:nvPicPr>
+        <p:blipFill>
+          <a:blip r:embed="rId3"/>
+          <a:stretch>
+            <a:fillRect/>
+          </a:stretch>
+        </p:blipFill>
+        <p:spPr>
+          <a:xfrm>
+            <a:off x="1066800" y="4355485"/>
+            <a:ext cx="8189495" cy="1030126"/>
+          </a:xfrm>
+          <a:prstGeom prst="rect">
+            <a:avLst/>
+          </a:prstGeom>
+        </p:spPr>
+      </p:pic>
+      <p:sp>
+        <p:nvSpPr>
+          <p:cNvPr id="9" name="TextBox 8">
+            <a:extLst>
+              <a:ext uri="{FF2B5EF4-FFF2-40B4-BE49-F238E27FC236}">
+                <a16:creationId xmlns:a16="http://schemas.microsoft.com/office/drawing/2014/main" id="{54C5857D-7F30-4B52-B37B-8B80C7349BAE}"/>
+              </a:ext>
+            </a:extLst>
+          </p:cNvPr>
+          <p:cNvSpPr txBox="1"/>
+          <p:nvPr/>
+        </p:nvSpPr>
+        <p:spPr>
+          <a:xfrm>
+            <a:off x="1556084" y="5594411"/>
+            <a:ext cx="8710863" cy="646331"/>
+          </a:xfrm>
+          <a:prstGeom prst="rect">
+            <a:avLst/>
+          </a:prstGeom>
+          <a:solidFill>
+            <a:schemeClr val="accent1">
+              <a:lumMod val="75000"/>
+            </a:schemeClr>
+          </a:solidFill>
+        </p:spPr>
+        <p:txBody>
+          <a:bodyPr wrap="square" rtlCol="0">
+            <a:spAutoFit/>
+          </a:bodyPr>
+          <a:lstStyle/>
+          <a:p>
+            <a:r>
+              <a:rPr lang="en-US" u="sng" dirty="0"/>
+              <a:t>Note: </a:t>
+            </a:r>
+            <a:r>
+              <a:rPr lang="en-US" dirty="0"/>
+              <a:t>the exact same would work if the base type were an interface, rather than class (if Triangle was an interface)</a:t>
+            </a:r>
+          </a:p>
+        </p:txBody>
+      </p:sp>
+    </p:spTree>
+    <p:extLst>
+      <p:ext uri="{BB962C8B-B14F-4D97-AF65-F5344CB8AC3E}">
+        <p14:creationId xmlns:p14="http://schemas.microsoft.com/office/powerpoint/2010/main" val="2438430395"/>
+      </p:ext>
+    </p:extLst>
+  </p:cSld>
+  <p:clrMapOvr>
+    <a:masterClrMapping/>
+  </p:clrMapOvr>
+</p:sld>
+</file>
+
+<file path=ppt/slides/slide8.xml><?xml version="1.0" encoding="utf-8"?>
+<p:sld xmlns:a="http://schemas.openxmlformats.org/drawingml/2006/main" xmlns:r="http://schemas.openxmlformats.org/officeDocument/2006/relationships" xmlns:p="http://schemas.openxmlformats.org/presentationml/2006/main">
+  <p:cSld>
+    <p:spTree>
+      <p:nvGrpSpPr>
+        <p:cNvPr id="1" name=""/>
+        <p:cNvGrpSpPr/>
+        <p:nvPr/>
+      </p:nvGrpSpPr>
+      <p:grpSpPr>
+        <a:xfrm>
+          <a:off x="0" y="0"/>
+          <a:ext cx="0" cy="0"/>
+          <a:chOff x="0" y="0"/>
+          <a:chExt cx="0" cy="0"/>
+        </a:xfrm>
+      </p:grpSpPr>
+      <p:sp>
+        <p:nvSpPr>
+          <p:cNvPr id="2" name="Title 1">
+            <a:extLst>
+              <a:ext uri="{FF2B5EF4-FFF2-40B4-BE49-F238E27FC236}">
+                <a16:creationId xmlns:a16="http://schemas.microsoft.com/office/drawing/2014/main" id="{0D76FE78-2E49-469B-882D-0C9522EBE3A7}"/>
+              </a:ext>
+            </a:extLst>
+          </p:cNvPr>
+          <p:cNvSpPr>
+            <a:spLocks noGrp="1"/>
+          </p:cNvSpPr>
+          <p:nvPr>
+            <p:ph type="title"/>
+          </p:nvPr>
+        </p:nvSpPr>
+        <p:spPr/>
+        <p:txBody>
+          <a:bodyPr/>
+          <a:lstStyle/>
+          <a:p>
+            <a:r>
+              <a:rPr lang="en-US" dirty="0"/>
+              <a:t>Decorator Adapter</a:t>
+            </a:r>
+          </a:p>
+        </p:txBody>
+      </p:sp>
+      <p:sp>
+        <p:nvSpPr>
+          <p:cNvPr id="3" name="Content Placeholder 2">
+            <a:extLst>
+              <a:ext uri="{FF2B5EF4-FFF2-40B4-BE49-F238E27FC236}">
+                <a16:creationId xmlns:a16="http://schemas.microsoft.com/office/drawing/2014/main" id="{A2C6EBB5-9609-4697-9619-3F3E86448934}"/>
+              </a:ext>
+            </a:extLst>
+          </p:cNvPr>
+          <p:cNvSpPr>
+            <a:spLocks noGrp="1"/>
+          </p:cNvSpPr>
+          <p:nvPr>
+            <p:ph idx="1"/>
+          </p:nvPr>
+        </p:nvSpPr>
+        <p:spPr>
+          <a:xfrm>
+            <a:off x="1066800" y="1766236"/>
+            <a:ext cx="10058400" cy="3849624"/>
+          </a:xfrm>
+        </p:spPr>
+        <p:txBody>
+          <a:bodyPr>
+            <a:normAutofit/>
+          </a:bodyPr>
+          <a:lstStyle/>
+          <a:p>
+            <a:r>
+              <a:rPr lang="en-US" sz="2000" dirty="0"/>
+              <a:t>You could also create a generic decorator or “decorator adapter”</a:t>
+            </a:r>
+          </a:p>
+          <a:p>
+            <a:pPr lvl="1"/>
+            <a:r>
+              <a:rPr lang="en-US" sz="1800" dirty="0"/>
+              <a:t>All other decorators would be derived from this decorator adapter</a:t>
+            </a:r>
+          </a:p>
+        </p:txBody>
+      </p:sp>
+      <p:pic>
+        <p:nvPicPr>
+          <p:cNvPr id="4" name="Picture 3">
+            <a:extLst>
+              <a:ext uri="{FF2B5EF4-FFF2-40B4-BE49-F238E27FC236}">
+                <a16:creationId xmlns:a16="http://schemas.microsoft.com/office/drawing/2014/main" id="{3774C1CB-0572-40CE-B10E-7D30107FB043}"/>
+              </a:ext>
+            </a:extLst>
+          </p:cNvPr>
+          <p:cNvPicPr>
+            <a:picLocks noChangeAspect="1"/>
+          </p:cNvPicPr>
+          <p:nvPr/>
+        </p:nvPicPr>
+        <p:blipFill>
+          <a:blip r:embed="rId2"/>
+          <a:stretch>
+            <a:fillRect/>
+          </a:stretch>
+        </p:blipFill>
+        <p:spPr>
+          <a:xfrm>
+            <a:off x="3084209" y="2768451"/>
+            <a:ext cx="6023582" cy="3446955"/>
+          </a:xfrm>
+          <a:prstGeom prst="rect">
+            <a:avLst/>
+          </a:prstGeom>
+        </p:spPr>
+      </p:pic>
+    </p:spTree>
+    <p:extLst>
+      <p:ext uri="{BB962C8B-B14F-4D97-AF65-F5344CB8AC3E}">
+        <p14:creationId xmlns:p14="http://schemas.microsoft.com/office/powerpoint/2010/main" val="2533953125"/>
+      </p:ext>
+    </p:extLst>
+  </p:cSld>
+  <p:clrMapOvr>
+    <a:masterClrMapping/>
+  </p:clrMapOvr>
+</p:sld>
+</file>
+
+<file path=ppt/slides/slide9.xml><?xml version="1.0" encoding="utf-8"?>
+<p:sld xmlns:a="http://schemas.openxmlformats.org/drawingml/2006/main" xmlns:r="http://schemas.openxmlformats.org/officeDocument/2006/relationships" xmlns:p="http://schemas.openxmlformats.org/presentationml/2006/main">
+  <p:cSld>
+    <p:spTree>
+      <p:nvGrpSpPr>
+        <p:cNvPr id="1" name=""/>
+        <p:cNvGrpSpPr/>
+        <p:nvPr/>
+      </p:nvGrpSpPr>
+      <p:grpSpPr>
+        <a:xfrm>
+          <a:off x="0" y="0"/>
+          <a:ext cx="0" cy="0"/>
+          <a:chOff x="0" y="0"/>
+          <a:chExt cx="0" cy="0"/>
+        </a:xfrm>
+      </p:grpSpPr>
+      <p:pic>
+        <p:nvPicPr>
+          <p:cNvPr id="2" name="Picture 1">
+            <a:extLst>
+              <a:ext uri="{FF2B5EF4-FFF2-40B4-BE49-F238E27FC236}">
+                <a16:creationId xmlns:a16="http://schemas.microsoft.com/office/drawing/2014/main" id="{4CA35E70-AEDA-486E-A483-2109AC18C41D}"/>
+              </a:ext>
+            </a:extLst>
+          </p:cNvPr>
+          <p:cNvPicPr>
+            <a:picLocks noChangeAspect="1"/>
+          </p:cNvPicPr>
+          <p:nvPr/>
+        </p:nvPicPr>
+        <p:blipFill>
+          <a:blip r:embed="rId2"/>
+          <a:stretch>
+            <a:fillRect/>
+          </a:stretch>
+        </p:blipFill>
+        <p:spPr>
+          <a:xfrm>
+            <a:off x="6096000" y="1481164"/>
+            <a:ext cx="5535588" cy="3895671"/>
+          </a:xfrm>
+          <a:prstGeom prst="rect">
+            <a:avLst/>
+          </a:prstGeom>
+        </p:spPr>
+      </p:pic>
+      <p:pic>
+        <p:nvPicPr>
+          <p:cNvPr id="3" name="Picture 2">
+            <a:extLst>
+              <a:ext uri="{FF2B5EF4-FFF2-40B4-BE49-F238E27FC236}">
+                <a16:creationId xmlns:a16="http://schemas.microsoft.com/office/drawing/2014/main" id="{CADDEFFA-A837-4194-8C47-A22C1619CD3A}"/>
+              </a:ext>
+            </a:extLst>
+          </p:cNvPr>
+          <p:cNvPicPr>
+            <a:picLocks noChangeAspect="1"/>
+          </p:cNvPicPr>
+          <p:nvPr/>
+        </p:nvPicPr>
+        <p:blipFill>
+          <a:blip r:embed="rId3"/>
+          <a:stretch>
+            <a:fillRect/>
+          </a:stretch>
+        </p:blipFill>
+        <p:spPr>
+          <a:xfrm>
+            <a:off x="560412" y="1481163"/>
+            <a:ext cx="5359256" cy="3895671"/>
+          </a:xfrm>
+          <a:prstGeom prst="rect">
+            <a:avLst/>
+          </a:prstGeom>
+        </p:spPr>
+      </p:pic>
+    </p:spTree>
+    <p:extLst>
+      <p:ext uri="{BB962C8B-B14F-4D97-AF65-F5344CB8AC3E}">
+        <p14:creationId xmlns:p14="http://schemas.microsoft.com/office/powerpoint/2010/main" val="1666337462"/>
       </p:ext>
     </p:extLst>
   </p:cSld>
@@ -5794,4 +9235,299 @@
     </a:ext>
   </a:extLst>
 </a:theme>
+</file>
+
+<file path=ppt/theme/theme2.xml><?xml version="1.0" encoding="utf-8"?>
+<a:theme xmlns:a="http://schemas.openxmlformats.org/drawingml/2006/main" name="Office Theme">
+  <a:themeElements>
+    <a:clrScheme name="Office">
+      <a:dk1>
+        <a:sysClr val="windowText" lastClr="000000"/>
+      </a:dk1>
+      <a:lt1>
+        <a:sysClr val="window" lastClr="FFFFFF"/>
+      </a:lt1>
+      <a:dk2>
+        <a:srgbClr val="44546A"/>
+      </a:dk2>
+      <a:lt2>
+        <a:srgbClr val="E7E6E6"/>
+      </a:lt2>
+      <a:accent1>
+        <a:srgbClr val="4472C4"/>
+      </a:accent1>
+      <a:accent2>
+        <a:srgbClr val="ED7D31"/>
+      </a:accent2>
+      <a:accent3>
+        <a:srgbClr val="A5A5A5"/>
+      </a:accent3>
+      <a:accent4>
+        <a:srgbClr val="FFC000"/>
+      </a:accent4>
+      <a:accent5>
+        <a:srgbClr val="5B9BD5"/>
+      </a:accent5>
+      <a:accent6>
+        <a:srgbClr val="70AD47"/>
+      </a:accent6>
+      <a:hlink>
+        <a:srgbClr val="0563C1"/>
+      </a:hlink>
+      <a:folHlink>
+        <a:srgbClr val="954F72"/>
+      </a:folHlink>
+    </a:clrScheme>
+    <a:fontScheme name="Office">
+      <a:majorFont>
+        <a:latin typeface="Calibri Light" panose="020F0302020204030204"/>
+        <a:ea typeface=""/>
+        <a:cs typeface=""/>
+        <a:font script="Jpan" typeface="游ゴシック Light"/>
+        <a:font script="Hang" typeface="맑은 고딕"/>
+        <a:font script="Hans" typeface="等线 Light"/>
+        <a:font script="Hant" typeface="新細明體"/>
+        <a:font script="Arab" typeface="Times New Roman"/>
+        <a:font script="Hebr" typeface="Times New Roman"/>
+        <a:font script="Thai" typeface="Angsana New"/>
+        <a:font script="Ethi" typeface="Nyala"/>
+        <a:font script="Beng" typeface="Vrinda"/>
+        <a:font script="Gujr" typeface="Shruti"/>
+        <a:font script="Khmr" typeface="MoolBoran"/>
+        <a:font script="Knda" typeface="Tunga"/>
+        <a:font script="Guru" typeface="Raavi"/>
+        <a:font script="Cans" typeface="Euphemia"/>
+        <a:font script="Cher" typeface="Plantagenet Cherokee"/>
+        <a:font script="Yiii" typeface="Microsoft Yi Baiti"/>
+        <a:font script="Tibt" typeface="Microsoft Himalaya"/>
+        <a:font script="Thaa" typeface="MV Boli"/>
+        <a:font script="Deva" typeface="Mangal"/>
+        <a:font script="Telu" typeface="Gautami"/>
+        <a:font script="Taml" typeface="Latha"/>
+        <a:font script="Syrc" typeface="Estrangelo Edessa"/>
+        <a:font script="Orya" typeface="Kalinga"/>
+        <a:font script="Mlym" typeface="Kartika"/>
+        <a:font script="Laoo" typeface="DokChampa"/>
+        <a:font script="Sinh" typeface="Iskoola Pota"/>
+        <a:font script="Mong" typeface="Mongolian Baiti"/>
+        <a:font script="Viet" typeface="Times New Roman"/>
+        <a:font script="Uigh" typeface="Microsoft Uighur"/>
+        <a:font script="Geor" typeface="Sylfaen"/>
+        <a:font script="Armn" typeface="Arial"/>
+        <a:font script="Bugi" typeface="Leelawadee UI"/>
+        <a:font script="Bopo" typeface="Microsoft JhengHei"/>
+        <a:font script="Java" typeface="Javanese Text"/>
+        <a:font script="Lisu" typeface="Segoe UI"/>
+        <a:font script="Mymr" typeface="Myanmar Text"/>
+        <a:font script="Nkoo" typeface="Ebrima"/>
+        <a:font script="Olck" typeface="Nirmala UI"/>
+        <a:font script="Osma" typeface="Ebrima"/>
+        <a:font script="Phag" typeface="Phagspa"/>
+        <a:font script="Syrn" typeface="Estrangelo Edessa"/>
+        <a:font script="Syrj" typeface="Estrangelo Edessa"/>
+        <a:font script="Syre" typeface="Estrangelo Edessa"/>
+        <a:font script="Sora" typeface="Nirmala UI"/>
+        <a:font script="Tale" typeface="Microsoft Tai Le"/>
+        <a:font script="Talu" typeface="Microsoft New Tai Lue"/>
+        <a:font script="Tfng" typeface="Ebrima"/>
+      </a:majorFont>
+      <a:minorFont>
+        <a:latin typeface="Calibri" panose="020F0502020204030204"/>
+        <a:ea typeface=""/>
+        <a:cs typeface=""/>
+        <a:font script="Jpan" typeface="游ゴシック"/>
+        <a:font script="Hang" typeface="맑은 고딕"/>
+        <a:font script="Hans" typeface="等线"/>
+        <a:font script="Hant" typeface="新細明體"/>
+        <a:font script="Arab" typeface="Arial"/>
+        <a:font script="Hebr" typeface="Arial"/>
+        <a:font script="Thai" typeface="Cordia New"/>
+        <a:font script="Ethi" typeface="Nyala"/>
+        <a:font script="Beng" typeface="Vrinda"/>
+        <a:font script="Gujr" typeface="Shruti"/>
+        <a:font script="Khmr" typeface="DaunPenh"/>
+        <a:font script="Knda" typeface="Tunga"/>
+        <a:font script="Guru" typeface="Raavi"/>
+        <a:font script="Cans" typeface="Euphemia"/>
+        <a:font script="Cher" typeface="Plantagenet Cherokee"/>
+        <a:font script="Yiii" typeface="Microsoft Yi Baiti"/>
+        <a:font script="Tibt" typeface="Microsoft Himalaya"/>
+        <a:font script="Thaa" typeface="MV Boli"/>
+        <a:font script="Deva" typeface="Mangal"/>
+        <a:font script="Telu" typeface="Gautami"/>
+        <a:font script="Taml" typeface="Latha"/>
+        <a:font script="Syrc" typeface="Estrangelo Edessa"/>
+        <a:font script="Orya" typeface="Kalinga"/>
+        <a:font script="Mlym" typeface="Kartika"/>
+        <a:font script="Laoo" typeface="DokChampa"/>
+        <a:font script="Sinh" typeface="Iskoola Pota"/>
+        <a:font script="Mong" typeface="Mongolian Baiti"/>
+        <a:font script="Viet" typeface="Arial"/>
+        <a:font script="Uigh" typeface="Microsoft Uighur"/>
+        <a:font script="Geor" typeface="Sylfaen"/>
+        <a:font script="Armn" typeface="Arial"/>
+        <a:font script="Bugi" typeface="Leelawadee UI"/>
+        <a:font script="Bopo" typeface="Microsoft JhengHei"/>
+        <a:font script="Java" typeface="Javanese Text"/>
+        <a:font script="Lisu" typeface="Segoe UI"/>
+        <a:font script="Mymr" typeface="Myanmar Text"/>
+        <a:font script="Nkoo" typeface="Ebrima"/>
+        <a:font script="Olck" typeface="Nirmala UI"/>
+        <a:font script="Osma" typeface="Ebrima"/>
+        <a:font script="Phag" typeface="Phagspa"/>
+        <a:font script="Syrn" typeface="Estrangelo Edessa"/>
+        <a:font script="Syrj" typeface="Estrangelo Edessa"/>
+        <a:font script="Syre" typeface="Estrangelo Edessa"/>
+        <a:font script="Sora" typeface="Nirmala UI"/>
+        <a:font script="Tale" typeface="Microsoft Tai Le"/>
+        <a:font script="Talu" typeface="Microsoft New Tai Lue"/>
+        <a:font script="Tfng" typeface="Ebrima"/>
+      </a:minorFont>
+    </a:fontScheme>
+    <a:fmtScheme name="Office">
+      <a:fillStyleLst>
+        <a:solidFill>
+          <a:schemeClr val="phClr"/>
+        </a:solidFill>
+        <a:gradFill rotWithShape="1">
+          <a:gsLst>
+            <a:gs pos="0">
+              <a:schemeClr val="phClr">
+                <a:lumMod val="110000"/>
+                <a:satMod val="105000"/>
+                <a:tint val="67000"/>
+              </a:schemeClr>
+            </a:gs>
+            <a:gs pos="50000">
+              <a:schemeClr val="phClr">
+                <a:lumMod val="105000"/>
+                <a:satMod val="103000"/>
+                <a:tint val="73000"/>
+              </a:schemeClr>
+            </a:gs>
+            <a:gs pos="100000">
+              <a:schemeClr val="phClr">
+                <a:lumMod val="105000"/>
+                <a:satMod val="109000"/>
+                <a:tint val="81000"/>
+              </a:schemeClr>
+            </a:gs>
+          </a:gsLst>
+          <a:lin ang="5400000" scaled="0"/>
+        </a:gradFill>
+        <a:gradFill rotWithShape="1">
+          <a:gsLst>
+            <a:gs pos="0">
+              <a:schemeClr val="phClr">
+                <a:satMod val="103000"/>
+                <a:lumMod val="102000"/>
+                <a:tint val="94000"/>
+              </a:schemeClr>
+            </a:gs>
+            <a:gs pos="50000">
+              <a:schemeClr val="phClr">
+                <a:satMod val="110000"/>
+                <a:lumMod val="100000"/>
+                <a:shade val="100000"/>
+              </a:schemeClr>
+            </a:gs>
+            <a:gs pos="100000">
+              <a:schemeClr val="phClr">
+                <a:lumMod val="99000"/>
+                <a:satMod val="120000"/>
+                <a:shade val="78000"/>
+              </a:schemeClr>
+            </a:gs>
+          </a:gsLst>
+          <a:lin ang="5400000" scaled="0"/>
+        </a:gradFill>
+      </a:fillStyleLst>
+      <a:lnStyleLst>
+        <a:ln w="6350" cap="flat" cmpd="sng" algn="ctr">
+          <a:solidFill>
+            <a:schemeClr val="phClr"/>
+          </a:solidFill>
+          <a:prstDash val="solid"/>
+          <a:miter lim="800000"/>
+        </a:ln>
+        <a:ln w="12700" cap="flat" cmpd="sng" algn="ctr">
+          <a:solidFill>
+            <a:schemeClr val="phClr"/>
+          </a:solidFill>
+          <a:prstDash val="solid"/>
+          <a:miter lim="800000"/>
+        </a:ln>
+        <a:ln w="19050" cap="flat" cmpd="sng" algn="ctr">
+          <a:solidFill>
+            <a:schemeClr val="phClr"/>
+          </a:solidFill>
+          <a:prstDash val="solid"/>
+          <a:miter lim="800000"/>
+        </a:ln>
+      </a:lnStyleLst>
+      <a:effectStyleLst>
+        <a:effectStyle>
+          <a:effectLst/>
+        </a:effectStyle>
+        <a:effectStyle>
+          <a:effectLst/>
+        </a:effectStyle>
+        <a:effectStyle>
+          <a:effectLst>
+            <a:outerShdw blurRad="57150" dist="19050" dir="5400000" algn="ctr" rotWithShape="0">
+              <a:srgbClr val="000000">
+                <a:alpha val="63000"/>
+              </a:srgbClr>
+            </a:outerShdw>
+          </a:effectLst>
+        </a:effectStyle>
+      </a:effectStyleLst>
+      <a:bgFillStyleLst>
+        <a:solidFill>
+          <a:schemeClr val="phClr"/>
+        </a:solidFill>
+        <a:solidFill>
+          <a:schemeClr val="phClr">
+            <a:tint val="95000"/>
+            <a:satMod val="170000"/>
+          </a:schemeClr>
+        </a:solidFill>
+        <a:gradFill rotWithShape="1">
+          <a:gsLst>
+            <a:gs pos="0">
+              <a:schemeClr val="phClr">
+                <a:tint val="93000"/>
+                <a:satMod val="150000"/>
+                <a:shade val="98000"/>
+                <a:lumMod val="102000"/>
+              </a:schemeClr>
+            </a:gs>
+            <a:gs pos="50000">
+              <a:schemeClr val="phClr">
+                <a:tint val="98000"/>
+                <a:satMod val="130000"/>
+                <a:shade val="90000"/>
+                <a:lumMod val="103000"/>
+              </a:schemeClr>
+            </a:gs>
+            <a:gs pos="100000">
+              <a:schemeClr val="phClr">
+                <a:shade val="63000"/>
+                <a:satMod val="120000"/>
+              </a:schemeClr>
+            </a:gs>
+          </a:gsLst>
+          <a:lin ang="5400000" scaled="0"/>
+        </a:gradFill>
+      </a:bgFillStyleLst>
+    </a:fmtScheme>
+  </a:themeElements>
+  <a:objectDefaults/>
+  <a:extraClrSchemeLst/>
+  <a:extLst>
+    <a:ext uri="{05A4C25C-085E-4340-85A3-A5531E510DB2}">
+      <thm15:themeFamily xmlns:thm15="http://schemas.microsoft.com/office/thememl/2012/main" name="Office Theme" id="{62F939B6-93AF-4DB8-9C6B-D6C7DFDC589F}" vid="{4A3C46E8-61CC-4603-A589-7422A47A8E4A}"/>
+    </a:ext>
+  </a:extLst>
+</a:theme>
 </file>
--- a/Student Presentations/DecoratorPresentation.pptx
+++ b/Student Presentations/DecoratorPresentation.pptx
@@ -5,7 +5,7 @@
     <p:sldMasterId id="2147483723" r:id="rId1"/>
   </p:sldMasterIdLst>
   <p:notesMasterIdLst>
-    <p:notesMasterId r:id="rId13"/>
+    <p:notesMasterId r:id="rId14"/>
   </p:notesMasterIdLst>
   <p:sldIdLst>
     <p:sldId id="256" r:id="rId2"/>
@@ -19,6 +19,7 @@
     <p:sldId id="266" r:id="rId10"/>
     <p:sldId id="267" r:id="rId11"/>
     <p:sldId id="268" r:id="rId12"/>
+    <p:sldId id="269" r:id="rId13"/>
   </p:sldIdLst>
   <p:sldSz cx="12192000" cy="6858000"/>
   <p:notesSz cx="6858000" cy="9144000"/>
@@ -143,7 +144,7 @@
 <file path=ppt/revisionInfo.xml><?xml version="1.0" encoding="utf-8"?>
 <p1510:revInfo xmlns:a="http://schemas.openxmlformats.org/drawingml/2006/main" xmlns:r="http://schemas.openxmlformats.org/officeDocument/2006/relationships" xmlns:p1510="http://schemas.microsoft.com/office/powerpoint/2015/10/main">
   <p1510:revLst>
-    <p1510:client id="{10612E98-0A8A-4D49-AF6A-7E280888A473}" v="52" dt="2021-02-17T04:22:48.398"/>
+    <p1510:client id="{10612E98-0A8A-4D49-AF6A-7E280888A473}" v="58" dt="2021-02-17T13:26:30.477"/>
   </p1510:revLst>
 </p1510:revInfo>
 </file>
@@ -153,7 +154,7 @@
   <pc:docChgLst>
     <pc:chgData name="John Ambery" userId="fb00d5ba-693e-43f5-ad02-73db26cd6cd7" providerId="ADAL" clId="{10612E98-0A8A-4D49-AF6A-7E280888A473}"/>
     <pc:docChg chg="undo custSel mod addSld delSld modSld sldOrd">
-      <pc:chgData name="John Ambery" userId="fb00d5ba-693e-43f5-ad02-73db26cd6cd7" providerId="ADAL" clId="{10612E98-0A8A-4D49-AF6A-7E280888A473}" dt="2021-02-17T04:22:48.398" v="4446" actId="1076"/>
+      <pc:chgData name="John Ambery" userId="fb00d5ba-693e-43f5-ad02-73db26cd6cd7" providerId="ADAL" clId="{10612E98-0A8A-4D49-AF6A-7E280888A473}" dt="2021-02-17T13:27:33.838" v="4901" actId="20577"/>
       <pc:docMkLst>
         <pc:docMk/>
       </pc:docMkLst>
@@ -759,6 +760,29 @@
             <ac:picMk id="1030" creationId="{0A749BD5-E243-4E69-9D57-D9477053E1D0}"/>
           </ac:picMkLst>
         </pc:picChg>
+      </pc:sldChg>
+      <pc:sldChg chg="modSp new mod">
+        <pc:chgData name="John Ambery" userId="fb00d5ba-693e-43f5-ad02-73db26cd6cd7" providerId="ADAL" clId="{10612E98-0A8A-4D49-AF6A-7E280888A473}" dt="2021-02-17T13:27:33.838" v="4901" actId="20577"/>
+        <pc:sldMkLst>
+          <pc:docMk/>
+          <pc:sldMk cId="2757211339" sldId="269"/>
+        </pc:sldMkLst>
+        <pc:spChg chg="mod">
+          <ac:chgData name="John Ambery" userId="fb00d5ba-693e-43f5-ad02-73db26cd6cd7" providerId="ADAL" clId="{10612E98-0A8A-4D49-AF6A-7E280888A473}" dt="2021-02-17T13:12:25.962" v="4463" actId="20577"/>
+          <ac:spMkLst>
+            <pc:docMk/>
+            <pc:sldMk cId="2757211339" sldId="269"/>
+            <ac:spMk id="2" creationId="{D4E73BF0-673D-44F2-8248-BA93572A37A1}"/>
+          </ac:spMkLst>
+        </pc:spChg>
+        <pc:spChg chg="mod">
+          <ac:chgData name="John Ambery" userId="fb00d5ba-693e-43f5-ad02-73db26cd6cd7" providerId="ADAL" clId="{10612E98-0A8A-4D49-AF6A-7E280888A473}" dt="2021-02-17T13:27:33.838" v="4901" actId="20577"/>
+          <ac:spMkLst>
+            <pc:docMk/>
+            <pc:sldMk cId="2757211339" sldId="269"/>
+            <ac:spMk id="3" creationId="{9632CB0E-D239-47C2-8F28-8C689E60CF7E}"/>
+          </ac:spMkLst>
+        </pc:spChg>
       </pc:sldChg>
     </pc:docChg>
   </pc:docChgLst>
@@ -1465,7 +1489,7 @@
           <a:p>
             <a:fld id="{93F709E3-8EAF-4224-A237-0E6839629ABF}" type="datetimeFigureOut">
               <a:rPr lang="en-US" smtClean="0"/>
-              <a:t>2/16/2021</a:t>
+              <a:t>2/17/2021</a:t>
             </a:fld>
             <a:endParaRPr lang="en-US"/>
           </a:p>
@@ -2372,7 +2396,7 @@
           <a:p>
             <a:fld id="{EA0C0817-A112-4847-8014-A94B7D2A4EA3}" type="datetime1">
               <a:rPr lang="en-US" smtClean="0"/>
-              <a:t>2/16/2021</a:t>
+              <a:t>2/17/2021</a:t>
             </a:fld>
             <a:endParaRPr lang="en-US" dirty="0"/>
           </a:p>
@@ -2574,7 +2598,7 @@
           <a:p>
             <a:fld id="{134F40B7-36AB-4376-BE14-EF7004D79BB9}" type="datetime1">
               <a:rPr lang="en-US" smtClean="0"/>
-              <a:t>2/16/2021</a:t>
+              <a:t>2/17/2021</a:t>
             </a:fld>
             <a:endParaRPr lang="en-US"/>
           </a:p>
@@ -2754,7 +2778,7 @@
           <a:p>
             <a:fld id="{FF87CAB8-DCAE-46A5-AADA-B3FAD11A54E0}" type="datetime1">
               <a:rPr lang="en-US" smtClean="0"/>
-              <a:t>2/16/2021</a:t>
+              <a:t>2/17/2021</a:t>
             </a:fld>
             <a:endParaRPr lang="en-US"/>
           </a:p>
@@ -2924,7 +2948,7 @@
           <a:p>
             <a:fld id="{7332B432-ACDA-4023-A761-2BAB76577B62}" type="datetime1">
               <a:rPr lang="en-US" smtClean="0"/>
-              <a:t>2/16/2021</a:t>
+              <a:t>2/17/2021</a:t>
             </a:fld>
             <a:endParaRPr lang="en-US"/>
           </a:p>
@@ -3523,7 +3547,7 @@
           <a:p>
             <a:fld id="{D9C646AA-F36E-4540-911D-FFFC0A0EF24A}" type="datetime1">
               <a:rPr lang="en-US" smtClean="0"/>
-              <a:t>2/16/2021</a:t>
+              <a:t>2/17/2021</a:t>
             </a:fld>
             <a:endParaRPr lang="en-US" dirty="0"/>
           </a:p>
@@ -3843,7 +3867,7 @@
           <a:p>
             <a:fld id="{69186D26-FA5F-4637-B602-B7C2DC34CFD4}" type="datetime1">
               <a:rPr lang="en-US" smtClean="0"/>
-              <a:t>2/16/2021</a:t>
+              <a:t>2/17/2021</a:t>
             </a:fld>
             <a:endParaRPr lang="en-US"/>
           </a:p>
@@ -4278,7 +4302,7 @@
           <a:p>
             <a:fld id="{8A7F15D8-96D1-4781-BC50-CA8A088B2FE4}" type="datetime1">
               <a:rPr lang="en-US" smtClean="0"/>
-              <a:t>2/16/2021</a:t>
+              <a:t>2/17/2021</a:t>
             </a:fld>
             <a:endParaRPr lang="en-US"/>
           </a:p>
@@ -4396,7 +4420,7 @@
           <a:p>
             <a:fld id="{F9A96C99-B8F8-4528-BD05-0E16E943DC09}" type="datetime1">
               <a:rPr lang="en-US" smtClean="0"/>
-              <a:t>2/16/2021</a:t>
+              <a:t>2/17/2021</a:t>
             </a:fld>
             <a:endParaRPr lang="en-US"/>
           </a:p>
@@ -4491,7 +4515,7 @@
           <a:p>
             <a:fld id="{03636942-C211-4B28-8DBD-C953E00AF71B}" type="datetime1">
               <a:rPr lang="en-US" smtClean="0"/>
-              <a:t>2/16/2021</a:t>
+              <a:t>2/17/2021</a:t>
             </a:fld>
             <a:endParaRPr lang="en-US"/>
           </a:p>
@@ -4908,7 +4932,7 @@
           <a:p>
             <a:fld id="{7E8D12A6-918A-48BD-8CB9-CA713993B0EA}" type="datetime1">
               <a:rPr lang="en-US" smtClean="0"/>
-              <a:t>2/16/2021</a:t>
+              <a:t>2/17/2021</a:t>
             </a:fld>
             <a:endParaRPr lang="en-US"/>
           </a:p>
@@ -5170,7 +5194,7 @@
             <a:fld id="{E778CE86-875F-4587-BCF6-FA054AFC0D53}" type="datetime1">
               <a:rPr lang="en-US" smtClean="0"/>
               <a:pPr/>
-              <a:t>2/16/2021</a:t>
+              <a:t>2/17/2021</a:t>
             </a:fld>
             <a:endParaRPr lang="en-US" dirty="0"/>
           </a:p>
@@ -5686,7 +5710,7 @@
           <a:p>
             <a:fld id="{F6FA2B21-3FCD-4721-B95C-427943F61125}" type="datetime1">
               <a:rPr lang="en-US" smtClean="0"/>
-              <a:t>2/16/2021</a:t>
+              <a:t>2/17/2021</a:t>
             </a:fld>
             <a:endParaRPr lang="en-US"/>
           </a:p>
@@ -6996,6 +7020,146 @@
     <p:extLst>
       <p:ext uri="{BB962C8B-B14F-4D97-AF65-F5344CB8AC3E}">
         <p14:creationId xmlns:p14="http://schemas.microsoft.com/office/powerpoint/2010/main" val="844314262"/>
+      </p:ext>
+    </p:extLst>
+  </p:cSld>
+  <p:clrMapOvr>
+    <a:masterClrMapping/>
+  </p:clrMapOvr>
+</p:sld>
+</file>
+
+<file path=ppt/slides/slide12.xml><?xml version="1.0" encoding="utf-8"?>
+<p:sld xmlns:a="http://schemas.openxmlformats.org/drawingml/2006/main" xmlns:r="http://schemas.openxmlformats.org/officeDocument/2006/relationships" xmlns:p="http://schemas.openxmlformats.org/presentationml/2006/main">
+  <p:cSld>
+    <p:spTree>
+      <p:nvGrpSpPr>
+        <p:cNvPr id="1" name=""/>
+        <p:cNvGrpSpPr/>
+        <p:nvPr/>
+      </p:nvGrpSpPr>
+      <p:grpSpPr>
+        <a:xfrm>
+          <a:off x="0" y="0"/>
+          <a:ext cx="0" cy="0"/>
+          <a:chOff x="0" y="0"/>
+          <a:chExt cx="0" cy="0"/>
+        </a:xfrm>
+      </p:grpSpPr>
+      <p:sp>
+        <p:nvSpPr>
+          <p:cNvPr id="2" name="Title 1">
+            <a:extLst>
+              <a:ext uri="{FF2B5EF4-FFF2-40B4-BE49-F238E27FC236}">
+                <a16:creationId xmlns:a16="http://schemas.microsoft.com/office/drawing/2014/main" id="{D4E73BF0-673D-44F2-8248-BA93572A37A1}"/>
+              </a:ext>
+            </a:extLst>
+          </p:cNvPr>
+          <p:cNvSpPr>
+            <a:spLocks noGrp="1"/>
+          </p:cNvSpPr>
+          <p:nvPr>
+            <p:ph type="title"/>
+          </p:nvPr>
+        </p:nvSpPr>
+        <p:spPr/>
+        <p:txBody>
+          <a:bodyPr/>
+          <a:lstStyle/>
+          <a:p>
+            <a:r>
+              <a:rPr lang="en-US" dirty="0"/>
+              <a:t>Further Reading:</a:t>
+            </a:r>
+          </a:p>
+        </p:txBody>
+      </p:sp>
+      <p:sp>
+        <p:nvSpPr>
+          <p:cNvPr id="3" name="Content Placeholder 2">
+            <a:extLst>
+              <a:ext uri="{FF2B5EF4-FFF2-40B4-BE49-F238E27FC236}">
+                <a16:creationId xmlns:a16="http://schemas.microsoft.com/office/drawing/2014/main" id="{9632CB0E-D239-47C2-8F28-8C689E60CF7E}"/>
+              </a:ext>
+            </a:extLst>
+          </p:cNvPr>
+          <p:cNvSpPr>
+            <a:spLocks noGrp="1"/>
+          </p:cNvSpPr>
+          <p:nvPr>
+            <p:ph idx="1"/>
+          </p:nvPr>
+        </p:nvSpPr>
+        <p:spPr>
+          <a:xfrm>
+            <a:off x="1066800" y="1892968"/>
+            <a:ext cx="10058400" cy="4059776"/>
+          </a:xfrm>
+        </p:spPr>
+        <p:txBody>
+          <a:bodyPr>
+            <a:normAutofit/>
+          </a:bodyPr>
+          <a:lstStyle/>
+          <a:p>
+            <a:r>
+              <a:rPr lang="en-US" sz="1800" dirty="0"/>
+              <a:t>More basic article further explaining the benefits of a decorator, uses a backpack concept </a:t>
+            </a:r>
+            <a:r>
+              <a:rPr lang="en-US" sz="1800"/>
+              <a:t>to explain:</a:t>
+            </a:r>
+            <a:endParaRPr lang="en-US" sz="1800" dirty="0"/>
+          </a:p>
+          <a:p>
+            <a:pPr lvl="1"/>
+            <a:r>
+              <a:rPr lang="en-US" sz="1600" dirty="0">
+                <a:hlinkClick r:id="rId2"/>
+              </a:rPr>
+              <a:t>https://medium.com/@andreaspoyias/design-patterns-a-quick-guide-to-decorator-pattern-2159b97863f</a:t>
+            </a:r>
+            <a:endParaRPr lang="en-US" sz="1600" dirty="0"/>
+          </a:p>
+          <a:p>
+            <a:r>
+              <a:rPr lang="en-US" sz="1800" dirty="0"/>
+              <a:t>Research article about someone’s use of a decorator and what they found (Great UML Diagrams):</a:t>
+            </a:r>
+          </a:p>
+          <a:p>
+            <a:pPr lvl="1"/>
+            <a:r>
+              <a:rPr lang="en-US" sz="1600" dirty="0">
+                <a:hlinkClick r:id="rId3"/>
+              </a:rPr>
+              <a:t>https://www.researchgate.net/publication/308118364_A_Design_Pattern_Approach_to_Improve_the_Structure_and_Implementation_of_the_Decorator_Design_Pattern</a:t>
+            </a:r>
+            <a:endParaRPr lang="en-US" sz="1600" dirty="0"/>
+          </a:p>
+          <a:p>
+            <a:r>
+              <a:rPr lang="en-US" sz="1800" dirty="0"/>
+              <a:t>Article that is a bit lengthy but uses Amazon’s checkout page to create a more real-world decorator implementation:</a:t>
+            </a:r>
+          </a:p>
+          <a:p>
+            <a:pPr lvl="1"/>
+            <a:r>
+              <a:rPr lang="en-US" sz="1600" dirty="0">
+                <a:hlinkClick r:id="rId4"/>
+              </a:rPr>
+              <a:t>https://www.automatetheplanet.com/decorator-design-pattern/</a:t>
+            </a:r>
+            <a:endParaRPr lang="en-US" sz="1600" dirty="0"/>
+          </a:p>
+        </p:txBody>
+      </p:sp>
+    </p:spTree>
+    <p:extLst>
+      <p:ext uri="{BB962C8B-B14F-4D97-AF65-F5344CB8AC3E}">
+        <p14:creationId xmlns:p14="http://schemas.microsoft.com/office/powerpoint/2010/main" val="2757211339"/>
       </p:ext>
     </p:extLst>
   </p:cSld>
